--- a/Lectures/py_lec_1.pptx
+++ b/Lectures/py_lec_1.pptx
@@ -17295,7 +17295,7 @@
             </a:lvl9pPr>
           </a:lstStyle>
           <a:p>
-            <a:pPr marL="342900" indent="-342900" algn="just">
+            <a:pPr marL="360000" indent="-360000" algn="just">
               <a:spcBef>
                 <a:spcPct val="0"/>
               </a:spcBef>
@@ -17311,7 +17311,7 @@
             </a:r>
           </a:p>
           <a:p>
-            <a:pPr marL="342900" indent="-342900" algn="just">
+            <a:pPr marL="360000" indent="-360000" algn="just">
               <a:spcBef>
                 <a:spcPct val="0"/>
               </a:spcBef>
@@ -17327,7 +17327,7 @@
             </a:r>
           </a:p>
           <a:p>
-            <a:pPr marL="342900" indent="-342900" algn="just">
+            <a:pPr marL="360000" indent="-360000" algn="just">
               <a:spcBef>
                 <a:spcPct val="0"/>
               </a:spcBef>
@@ -17346,7 +17346,7 @@
             </a:r>
           </a:p>
           <a:p>
-            <a:pPr marL="342900" indent="-342900" algn="just">
+            <a:pPr marL="360000" indent="-360000" algn="just">
               <a:spcBef>
                 <a:spcPct val="0"/>
               </a:spcBef>
@@ -17362,7 +17362,7 @@
             </a:r>
           </a:p>
           <a:p>
-            <a:pPr marL="342900" indent="-342900" algn="just">
+            <a:pPr marL="360000" indent="-360000" algn="just">
               <a:spcBef>
                 <a:spcPct val="0"/>
               </a:spcBef>
@@ -17378,7 +17378,7 @@
             </a:r>
           </a:p>
           <a:p>
-            <a:pPr marL="342900" indent="-342900" algn="just">
+            <a:pPr marL="360000" indent="-360000" algn="just">
               <a:spcBef>
                 <a:spcPct val="0"/>
               </a:spcBef>
@@ -17394,7 +17394,7 @@
             </a:r>
           </a:p>
           <a:p>
-            <a:pPr marL="342900" indent="-342900" algn="just">
+            <a:pPr marL="360000" indent="-360000" algn="just">
               <a:spcBef>
                 <a:spcPct val="0"/>
               </a:spcBef>
@@ -17410,7 +17410,7 @@
             </a:r>
           </a:p>
           <a:p>
-            <a:pPr marL="342900" indent="-342900" algn="just">
+            <a:pPr marL="360000" indent="-360000" algn="just">
               <a:spcBef>
                 <a:spcPct val="0"/>
               </a:spcBef>
@@ -17429,7 +17429,7 @@
             </a:r>
           </a:p>
           <a:p>
-            <a:pPr marL="342900" indent="-342900" algn="just">
+            <a:pPr marL="360000" indent="-360000" algn="just">
               <a:spcBef>
                 <a:spcPct val="0"/>
               </a:spcBef>
@@ -17445,7 +17445,7 @@
             </a:r>
           </a:p>
           <a:p>
-            <a:pPr marL="342900" indent="-342900" algn="just">
+            <a:pPr marL="360000" indent="-360000" algn="just">
               <a:spcBef>
                 <a:spcPct val="0"/>
               </a:spcBef>
@@ -17464,7 +17464,7 @@
             </a:r>
           </a:p>
           <a:p>
-            <a:pPr marL="342900" indent="-342900" algn="just">
+            <a:pPr marL="360000" indent="-360000" algn="just">
               <a:spcBef>
                 <a:spcPct val="0"/>
               </a:spcBef>
@@ -17480,7 +17480,7 @@
             </a:r>
           </a:p>
           <a:p>
-            <a:pPr marL="342900" indent="-342900" algn="just">
+            <a:pPr marL="360000" indent="-360000" algn="just">
               <a:spcBef>
                 <a:spcPct val="0"/>
               </a:spcBef>
@@ -17496,7 +17496,7 @@
             </a:r>
           </a:p>
           <a:p>
-            <a:pPr marL="342900" indent="-342900" algn="just">
+            <a:pPr marL="360000" indent="-360000" algn="just">
               <a:spcBef>
                 <a:spcPct val="0"/>
               </a:spcBef>
@@ -17512,7 +17512,7 @@
             </a:r>
           </a:p>
           <a:p>
-            <a:pPr marL="342900" indent="-342900" algn="just">
+            <a:pPr marL="360000" indent="-360000" algn="just">
               <a:spcBef>
                 <a:spcPct val="0"/>
               </a:spcBef>
@@ -17528,7 +17528,7 @@
             </a:r>
           </a:p>
           <a:p>
-            <a:pPr marL="342900" indent="-342900" algn="just">
+            <a:pPr marL="360000" indent="-360000" algn="just">
               <a:spcBef>
                 <a:spcPct val="0"/>
               </a:spcBef>
@@ -17544,7 +17544,7 @@
             </a:r>
           </a:p>
           <a:p>
-            <a:pPr marL="342900" indent="-342900" algn="just">
+            <a:pPr marL="360000" indent="-360000" algn="just">
               <a:spcBef>
                 <a:spcPct val="0"/>
               </a:spcBef>
@@ -17560,7 +17560,7 @@
             </a:r>
           </a:p>
           <a:p>
-            <a:pPr marL="342900" indent="-342900" algn="just">
+            <a:pPr marL="360000" indent="-360000" algn="just">
               <a:spcBef>
                 <a:spcPct val="0"/>
               </a:spcBef>
@@ -17576,7 +17576,7 @@
             </a:r>
           </a:p>
           <a:p>
-            <a:pPr marL="342900" indent="-342900" algn="just">
+            <a:pPr marL="360000" indent="-360000" algn="just">
               <a:spcBef>
                 <a:spcPct val="0"/>
               </a:spcBef>
@@ -17592,7 +17592,7 @@
             </a:r>
           </a:p>
           <a:p>
-            <a:pPr marL="342900" indent="-342900" algn="just">
+            <a:pPr marL="360000" indent="-360000" algn="just">
               <a:spcBef>
                 <a:spcPct val="0"/>
               </a:spcBef>
@@ -18072,7 +18072,7 @@
             </a:lvl9pPr>
           </a:lstStyle>
           <a:p>
-            <a:pPr algn="just">
+            <a:pPr marL="360000" indent="-360000" algn="just">
               <a:spcBef>
                 <a:spcPct val="0"/>
               </a:spcBef>
@@ -18093,7 +18093,7 @@
             </a:r>
           </a:p>
           <a:p>
-            <a:pPr algn="just">
+            <a:pPr marL="360000" indent="-360000" algn="just">
               <a:spcBef>
                 <a:spcPct val="0"/>
               </a:spcBef>
@@ -19971,7 +19971,7 @@
               <a:t>PEP8 – </a:t>
             </a:r>
             <a:r>
-              <a:rPr lang="ru-RU" altLang="ru-RU" sz="2800" dirty="0">
+              <a:rPr lang="ru-RU" altLang="ru-RU" sz="2800">
                 <a:solidFill>
                   <a:srgbClr val="002060"/>
                 </a:solidFill>
@@ -19979,22 +19979,12 @@
               </a:rPr>
               <a:t>кодинг стайл</a:t>
             </a:r>
-          </a:p>
-          <a:p>
-            <a:pPr algn="just" eaLnBrk="1" hangingPunct="1">
-              <a:spcBef>
-                <a:spcPct val="0"/>
-              </a:spcBef>
-            </a:pPr>
-            <a:r>
-              <a:rPr lang="ru-RU" altLang="ru-RU" sz="2800" dirty="0">
-                <a:solidFill>
-                  <a:srgbClr val="002060"/>
-                </a:solidFill>
-                <a:latin typeface="+mn-lt"/>
-              </a:rPr>
-              <a:t> Практика</a:t>
-            </a:r>
+            <a:endParaRPr lang="ru-RU" altLang="ru-RU" sz="2800" dirty="0">
+              <a:solidFill>
+                <a:srgbClr val="002060"/>
+              </a:solidFill>
+              <a:latin typeface="+mn-lt"/>
+            </a:endParaRPr>
           </a:p>
         </p:txBody>
       </p:sp>
@@ -27258,7 +27248,7 @@
             </a:lvl9pPr>
           </a:lstStyle>
           <a:p>
-            <a:pPr marR="0" lvl="0" algn="l" defTabSz="914400" rtl="0" eaLnBrk="0" fontAlgn="base" latinLnBrk="0" hangingPunct="0">
+            <a:pPr marL="360000" marR="0" lvl="0" indent="-360000" algn="l" defTabSz="914400" rtl="0" eaLnBrk="0" fontAlgn="base" latinLnBrk="0" hangingPunct="0">
               <a:lnSpc>
                 <a:spcPct val="100000"/>
               </a:lnSpc>
@@ -27290,11 +27280,11 @@
                 <a:ea typeface="+mn-ea"/>
                 <a:cs typeface="+mn-cs"/>
               </a:rPr>
-              <a:t> Лучше пробелы, чем табуляция.</a:t>
-            </a:r>
-          </a:p>
-          <a:p>
-            <a:pPr marR="0" lvl="0" algn="l" defTabSz="914400" rtl="0" eaLnBrk="0" fontAlgn="base" latinLnBrk="0" hangingPunct="0">
+              <a:t>Лучше пробелы, чем табуляция.</a:t>
+            </a:r>
+          </a:p>
+          <a:p>
+            <a:pPr marL="360000" marR="0" lvl="0" indent="-360000" algn="l" defTabSz="914400" rtl="0" eaLnBrk="0" fontAlgn="base" latinLnBrk="0" hangingPunct="0">
               <a:lnSpc>
                 <a:spcPct val="100000"/>
               </a:lnSpc>
@@ -27326,11 +27316,11 @@
                 <a:ea typeface="+mn-ea"/>
                 <a:cs typeface="+mn-cs"/>
               </a:rPr>
-              <a:t> Длина строки кода не должна превышать 79 символов, документации и комментариев – 72 символа.</a:t>
-            </a:r>
-          </a:p>
-          <a:p>
-            <a:pPr marR="0" lvl="0" algn="l" defTabSz="914400" rtl="0" eaLnBrk="0" fontAlgn="base" latinLnBrk="0" hangingPunct="0">
+              <a:t>Длина строки кода не должна превышать 79 символов, документации и комментариев – 72 символа.</a:t>
+            </a:r>
+          </a:p>
+          <a:p>
+            <a:pPr marL="360000" marR="0" lvl="0" indent="-360000" algn="l" defTabSz="914400" rtl="0" eaLnBrk="0" fontAlgn="base" latinLnBrk="0" hangingPunct="0">
               <a:lnSpc>
                 <a:spcPct val="100000"/>
               </a:lnSpc>
@@ -27362,11 +27352,11 @@
                 <a:ea typeface="+mn-ea"/>
                 <a:cs typeface="+mn-cs"/>
               </a:rPr>
-              <a:t> Отделяйте функции верхнего уровня и определения классов двумя пустыми строками.</a:t>
-            </a:r>
-          </a:p>
-          <a:p>
-            <a:pPr marR="0" lvl="0" algn="l" defTabSz="914400" rtl="0" eaLnBrk="0" fontAlgn="base" latinLnBrk="0" hangingPunct="0">
+              <a:t>Отделяйте функции верхнего уровня и определения классов двумя пустыми строками.</a:t>
+            </a:r>
+          </a:p>
+          <a:p>
+            <a:pPr marL="360000" marR="0" lvl="0" indent="-360000" algn="l" defTabSz="914400" rtl="0" eaLnBrk="0" fontAlgn="base" latinLnBrk="0" hangingPunct="0">
               <a:lnSpc>
                 <a:spcPct val="100000"/>
               </a:lnSpc>
@@ -27398,11 +27388,11 @@
                 <a:ea typeface="+mn-ea"/>
                 <a:cs typeface="+mn-cs"/>
               </a:rPr>
-              <a:t> Определения методов внутри класса разделяются одной пустой строкой.</a:t>
-            </a:r>
-          </a:p>
-          <a:p>
-            <a:pPr marR="0" lvl="0" algn="l" defTabSz="914400" rtl="0" eaLnBrk="0" fontAlgn="base" latinLnBrk="0" hangingPunct="0">
+              <a:t>Определения методов внутри класса разделяются одной пустой строкой.</a:t>
+            </a:r>
+          </a:p>
+          <a:p>
+            <a:pPr marL="360000" marR="0" lvl="0" indent="-360000" algn="l" defTabSz="914400" rtl="0" eaLnBrk="0" fontAlgn="base" latinLnBrk="0" hangingPunct="0">
               <a:lnSpc>
                 <a:spcPct val="100000"/>
               </a:lnSpc>
@@ -27434,11 +27424,11 @@
                 <a:ea typeface="+mn-ea"/>
                 <a:cs typeface="+mn-cs"/>
               </a:rPr>
-              <a:t> Дополнительные пустые строки возможно использовать для разделения различных групп похожих функций. Пустые строки могут быть опущены между несколькими связанными однострочными определениями (например, набор фиктивных реализаций).</a:t>
-            </a:r>
-          </a:p>
-          <a:p>
-            <a:pPr marR="0" lvl="0" algn="l" defTabSz="914400" rtl="0" eaLnBrk="0" fontAlgn="base" latinLnBrk="0" hangingPunct="0">
+              <a:t>Дополнительные пустые строки возможно использовать для разделения различных групп похожих функций. Пустые строки могут быть опущены между несколькими связанными однострочными определениями (например, набор фиктивных реализаций).</a:t>
+            </a:r>
+          </a:p>
+          <a:p>
+            <a:pPr marL="360000" marR="0" lvl="0" indent="-360000" algn="l" defTabSz="914400" rtl="0" eaLnBrk="0" fontAlgn="base" latinLnBrk="0" hangingPunct="0">
               <a:lnSpc>
                 <a:spcPct val="100000"/>
               </a:lnSpc>
@@ -27470,11 +27460,11 @@
                 <a:ea typeface="+mn-ea"/>
                 <a:cs typeface="+mn-cs"/>
               </a:rPr>
-              <a:t> Используйте пустые строки в функциях, чтобы указать логические разделы.</a:t>
-            </a:r>
-          </a:p>
-          <a:p>
-            <a:pPr marR="0" lvl="0" algn="l" defTabSz="914400" rtl="0" eaLnBrk="0" fontAlgn="base" latinLnBrk="0" hangingPunct="0">
+              <a:t>Используйте пустые строки в функциях, чтобы указать логические разделы.</a:t>
+            </a:r>
+          </a:p>
+          <a:p>
+            <a:pPr marL="360000" marR="0" lvl="0" indent="-360000" algn="l" defTabSz="914400" rtl="0" eaLnBrk="0" fontAlgn="base" latinLnBrk="0" hangingPunct="0">
               <a:lnSpc>
                 <a:spcPct val="100000"/>
               </a:lnSpc>
@@ -27506,11 +27496,11 @@
                 <a:ea typeface="+mn-ea"/>
                 <a:cs typeface="+mn-cs"/>
               </a:rPr>
-              <a:t> В Python 3 не нужно указывать кодировку в файлах с кодом.</a:t>
-            </a:r>
-          </a:p>
-          <a:p>
-            <a:pPr marR="0" lvl="0" algn="l" defTabSz="914400" rtl="0" eaLnBrk="0" fontAlgn="base" latinLnBrk="0" hangingPunct="0">
+              <a:t>В Python 3 не нужно указывать кодировку в файлах с кодом.</a:t>
+            </a:r>
+          </a:p>
+          <a:p>
+            <a:pPr marL="360000" marR="0" lvl="0" indent="-360000" algn="l" defTabSz="914400" rtl="0" eaLnBrk="0" fontAlgn="base" latinLnBrk="0" hangingPunct="0">
               <a:lnSpc>
                 <a:spcPct val="100000"/>
               </a:lnSpc>
@@ -27528,6 +27518,23 @@
               <a:defRPr/>
             </a:pPr>
             <a:r>
+              <a:rPr kumimoji="0" lang="en-US" altLang="ru-RU" sz="2400" b="0" i="0" u="none" strike="noStrike" kern="1200" cap="none" spc="0" normalizeH="0" baseline="0" noProof="0" dirty="0">
+                <a:ln>
+                  <a:noFill/>
+                </a:ln>
+                <a:solidFill>
+                  <a:srgbClr val="002060"/>
+                </a:solidFill>
+                <a:effectLst/>
+                <a:uLnTx/>
+                <a:uFillTx/>
+                <a:latin typeface="Calibri" panose="020F0502020204030204"/>
+                <a:ea typeface="+mn-ea"/>
+                <a:cs typeface="+mn-cs"/>
+              </a:rPr>
+              <a:t> </a:t>
+            </a:r>
+            <a:r>
               <a:rPr kumimoji="0" lang="ru-RU" altLang="ru-RU" sz="2400" b="0" i="0" u="none" strike="noStrike" kern="1200" cap="none" spc="0" normalizeH="0" baseline="0" noProof="0" dirty="0">
                 <a:ln>
                   <a:noFill/>
@@ -27542,11 +27549,11 @@
                 <a:ea typeface="+mn-ea"/>
                 <a:cs typeface="+mn-cs"/>
               </a:rPr>
-              <a:t> Каждый импорт, как правило, должен быть на отдельной строке.</a:t>
-            </a:r>
-          </a:p>
-          <a:p>
-            <a:pPr marR="0" lvl="0" algn="l" defTabSz="914400" rtl="0" eaLnBrk="0" fontAlgn="base" latinLnBrk="0" hangingPunct="0">
+              <a:t>Каждый импорт, как правило, должен быть на отдельной строке.</a:t>
+            </a:r>
+          </a:p>
+          <a:p>
+            <a:pPr marL="360000" marR="0" lvl="0" indent="-360000" algn="l" defTabSz="914400" rtl="0" eaLnBrk="0" fontAlgn="base" latinLnBrk="0" hangingPunct="0">
               <a:lnSpc>
                 <a:spcPct val="100000"/>
               </a:lnSpc>
@@ -27890,7 +27897,7 @@
         <p:spPr bwMode="auto">
           <a:xfrm>
             <a:off x="322228" y="1035948"/>
-            <a:ext cx="11496878" cy="4324261"/>
+            <a:ext cx="11496878" cy="4601260"/>
           </a:xfrm>
           <a:prstGeom prst="rect">
             <a:avLst/>
@@ -28046,7 +28053,7 @@
             </a:lvl9pPr>
           </a:lstStyle>
           <a:p>
-            <a:pPr marR="0" lvl="0" algn="l" defTabSz="914400" rtl="0" eaLnBrk="0" fontAlgn="base" latinLnBrk="0" hangingPunct="0">
+            <a:pPr marL="360000" marR="0" lvl="0" indent="-360000" algn="l" defTabSz="914400" rtl="0" eaLnBrk="0" fontAlgn="base" latinLnBrk="0" hangingPunct="0">
               <a:lnSpc>
                 <a:spcPct val="100000"/>
               </a:lnSpc>
@@ -28082,7 +28089,7 @@
             </a:r>
           </a:p>
           <a:p>
-            <a:pPr marL="360000" lvl="1" indent="0" eaLnBrk="0" fontAlgn="base" hangingPunct="0">
+            <a:pPr marL="720000" lvl="1" indent="0" eaLnBrk="0" fontAlgn="base" hangingPunct="0">
               <a:spcBef>
                 <a:spcPct val="0"/>
               </a:spcBef>
@@ -28094,7 +28101,7 @@
               <a:defRPr/>
             </a:pPr>
             <a:r>
-              <a:rPr kumimoji="0" lang="ru-RU" altLang="ru-RU" sz="1800" b="0" i="0" u="none" strike="noStrike" kern="1200" cap="none" spc="0" normalizeH="0" baseline="0" noProof="0" dirty="0">
+              <a:rPr kumimoji="0" lang="ru-RU" altLang="ru-RU" sz="2400" b="0" i="0" u="none" strike="noStrike" kern="1200" cap="none" spc="0" normalizeH="0" baseline="0" noProof="0" dirty="0">
                 <a:ln>
                   <a:noFill/>
                 </a:ln>
@@ -28112,7 +28119,7 @@
             </a:r>
           </a:p>
           <a:p>
-            <a:pPr marL="360000" lvl="1" indent="0" eaLnBrk="0" fontAlgn="base" hangingPunct="0">
+            <a:pPr marL="720000" lvl="1" indent="0" eaLnBrk="0" fontAlgn="base" hangingPunct="0">
               <a:spcBef>
                 <a:spcPct val="0"/>
               </a:spcBef>
@@ -28124,7 +28131,7 @@
               <a:defRPr/>
             </a:pPr>
             <a:r>
-              <a:rPr kumimoji="0" lang="ru-RU" altLang="ru-RU" sz="1800" b="0" i="0" u="none" strike="noStrike" kern="1200" cap="none" spc="0" normalizeH="0" baseline="0" noProof="0" dirty="0">
+              <a:rPr kumimoji="0" lang="ru-RU" altLang="ru-RU" sz="2400" b="0" i="0" u="none" strike="noStrike" kern="1200" cap="none" spc="0" normalizeH="0" baseline="0" noProof="0" dirty="0">
                 <a:ln>
                   <a:noFill/>
                 </a:ln>
@@ -28142,7 +28149,7 @@
             </a:r>
           </a:p>
           <a:p>
-            <a:pPr marL="360000" lvl="1" indent="0" eaLnBrk="0" fontAlgn="base" hangingPunct="0">
+            <a:pPr marL="720000" lvl="1" indent="0" eaLnBrk="0" fontAlgn="base" hangingPunct="0">
               <a:spcBef>
                 <a:spcPct val="0"/>
               </a:spcBef>
@@ -28154,7 +28161,7 @@
               <a:defRPr/>
             </a:pPr>
             <a:r>
-              <a:rPr kumimoji="0" lang="ru-RU" altLang="ru-RU" sz="1800" b="0" i="0" u="none" strike="noStrike" kern="1200" cap="none" spc="0" normalizeH="0" baseline="0" noProof="0" dirty="0">
+              <a:rPr kumimoji="0" lang="ru-RU" altLang="ru-RU" sz="2400" b="0" i="0" u="none" strike="noStrike" kern="1200" cap="none" spc="0" normalizeH="0" baseline="0" noProof="0" dirty="0">
                 <a:ln>
                   <a:noFill/>
                 </a:ln>
@@ -28170,7 +28177,7 @@
               </a:rPr>
               <a:t> импорты модулей текущего проекта</a:t>
             </a:r>
-            <a:endParaRPr lang="ru-RU" altLang="ru-RU" sz="1800" dirty="0">
+            <a:endParaRPr lang="ru-RU" altLang="ru-RU" sz="2400" dirty="0">
               <a:solidFill>
                 <a:srgbClr val="002060"/>
               </a:solidFill>
@@ -29721,7 +29728,7 @@
             </a:lvl9pPr>
           </a:lstStyle>
           <a:p>
-            <a:pPr marR="0" lvl="0" algn="l" defTabSz="914400" rtl="0" eaLnBrk="0" fontAlgn="base" latinLnBrk="0" hangingPunct="0">
+            <a:pPr marL="360000" marR="0" lvl="0" indent="-360000" algn="l" defTabSz="914400" rtl="0" eaLnBrk="0" fontAlgn="base" latinLnBrk="0" hangingPunct="0">
               <a:lnSpc>
                 <a:spcPct val="100000"/>
               </a:lnSpc>
@@ -29757,7 +29764,7 @@
             </a:r>
           </a:p>
           <a:p>
-            <a:pPr marL="360000" marR="0" lvl="0" algn="l" defTabSz="914400" rtl="0" eaLnBrk="0" fontAlgn="base" latinLnBrk="0" hangingPunct="0">
+            <a:pPr marL="720000" marR="0" lvl="0" indent="-457200" algn="l" defTabSz="914400" rtl="0" eaLnBrk="0" fontAlgn="base" latinLnBrk="0" hangingPunct="0">
               <a:lnSpc>
                 <a:spcPct val="100000"/>
               </a:lnSpc>
@@ -29775,6 +29782,40 @@
               <a:defRPr/>
             </a:pPr>
             <a:r>
+              <a:rPr kumimoji="0" lang="ru-RU" altLang="ru-RU" sz="2000" i="0" u="none" strike="noStrike" kern="1200" cap="none" spc="0" normalizeH="0" baseline="0" noProof="0" dirty="0">
+                <a:ln>
+                  <a:noFill/>
+                </a:ln>
+                <a:solidFill>
+                  <a:srgbClr val="002060"/>
+                </a:solidFill>
+                <a:effectLst/>
+                <a:uLnTx/>
+                <a:uFillTx/>
+                <a:latin typeface="Calibri" panose="020F0502020204030204"/>
+                <a:ea typeface="+mn-ea"/>
+                <a:cs typeface="+mn-cs"/>
+              </a:rPr>
+              <a:t> </a:t>
+            </a:r>
+            <a:r>
+              <a:rPr kumimoji="0" lang="ru-RU" altLang="ru-RU" sz="2000" b="1" i="0" u="none" strike="noStrike" kern="1200" cap="none" spc="0" normalizeH="0" baseline="0" noProof="0" dirty="0">
+                <a:ln>
+                  <a:noFill/>
+                </a:ln>
+                <a:solidFill>
+                  <a:srgbClr val="002060"/>
+                </a:solidFill>
+                <a:effectLst/>
+                <a:uLnTx/>
+                <a:uFillTx/>
+                <a:latin typeface="Calibri" panose="020F0502020204030204"/>
+                <a:ea typeface="+mn-ea"/>
+                <a:cs typeface="+mn-cs"/>
+              </a:rPr>
+              <a:t>_inner_var</a:t>
+            </a:r>
+            <a:r>
               <a:rPr kumimoji="0" lang="ru-RU" altLang="ru-RU" sz="2000" b="0" i="0" u="none" strike="noStrike" kern="1200" cap="none" spc="0" normalizeH="0" baseline="0" noProof="0" dirty="0">
                 <a:ln>
                   <a:noFill/>
@@ -29789,62 +29830,11 @@
                 <a:ea typeface="+mn-ea"/>
                 <a:cs typeface="+mn-cs"/>
               </a:rPr>
-              <a:t> </a:t>
-            </a:r>
-            <a:r>
-              <a:rPr kumimoji="0" lang="ru-RU" altLang="ru-RU" sz="2000" b="1" i="0" u="none" strike="noStrike" kern="1200" cap="none" spc="0" normalizeH="0" baseline="0" noProof="0" dirty="0">
-                <a:ln>
-                  <a:noFill/>
-                </a:ln>
-                <a:solidFill>
-                  <a:srgbClr val="002060"/>
-                </a:solidFill>
-                <a:effectLst/>
-                <a:uLnTx/>
-                <a:uFillTx/>
-                <a:latin typeface="Calibri" panose="020F0502020204030204"/>
-                <a:ea typeface="+mn-ea"/>
-                <a:cs typeface="+mn-cs"/>
-              </a:rPr>
-              <a:t>_</a:t>
-            </a:r>
-            <a:r>
-              <a:rPr kumimoji="0" lang="ru-RU" altLang="ru-RU" sz="2000" b="1" i="0" u="none" strike="noStrike" kern="1200" cap="none" spc="0" normalizeH="0" baseline="0" noProof="0" dirty="0" err="1">
-                <a:ln>
-                  <a:noFill/>
-                </a:ln>
-                <a:solidFill>
-                  <a:srgbClr val="002060"/>
-                </a:solidFill>
-                <a:effectLst/>
-                <a:uLnTx/>
-                <a:uFillTx/>
-                <a:latin typeface="Calibri" panose="020F0502020204030204"/>
-                <a:ea typeface="+mn-ea"/>
-                <a:cs typeface="+mn-cs"/>
-              </a:rPr>
-              <a:t>inner_var</a:t>
-            </a:r>
-            <a:r>
-              <a:rPr kumimoji="0" lang="ru-RU" altLang="ru-RU" sz="2000" b="0" i="0" u="none" strike="noStrike" kern="1200" cap="none" spc="0" normalizeH="0" baseline="0" noProof="0" dirty="0">
-                <a:ln>
-                  <a:noFill/>
-                </a:ln>
-                <a:solidFill>
-                  <a:srgbClr val="002060"/>
-                </a:solidFill>
-                <a:effectLst/>
-                <a:uLnTx/>
-                <a:uFillTx/>
-                <a:latin typeface="Calibri" panose="020F0502020204030204"/>
-                <a:ea typeface="+mn-ea"/>
-                <a:cs typeface="+mn-cs"/>
-              </a:rPr>
               <a:t>: Нижнее подчеркивание перед первым символом говорит о слабой скрытности переменной.</a:t>
             </a:r>
           </a:p>
           <a:p>
-            <a:pPr marL="360000" marR="0" lvl="0" algn="l" defTabSz="914400" rtl="0" eaLnBrk="0" fontAlgn="base" latinLnBrk="0" hangingPunct="0">
+            <a:pPr marL="720000" marR="0" lvl="0" indent="-457200" algn="l" defTabSz="914400" rtl="0" eaLnBrk="0" fontAlgn="base" latinLnBrk="0" hangingPunct="0">
               <a:lnSpc>
                 <a:spcPct val="100000"/>
               </a:lnSpc>
@@ -29914,7 +29904,7 @@
             </a:r>
           </a:p>
           <a:p>
-            <a:pPr marL="360000" marR="0" lvl="0" algn="l" defTabSz="914400" rtl="0" eaLnBrk="0" fontAlgn="base" latinLnBrk="0" hangingPunct="0">
+            <a:pPr marL="720000" marR="0" lvl="0" indent="-457200" algn="l" defTabSz="914400" rtl="0" eaLnBrk="0" fontAlgn="base" latinLnBrk="0" hangingPunct="0">
               <a:lnSpc>
                 <a:spcPct val="100000"/>
               </a:lnSpc>
@@ -30154,7 +30144,7 @@
             </a:r>
           </a:p>
           <a:p>
-            <a:pPr marL="360000" marR="0" lvl="0" algn="l" defTabSz="914400" rtl="0" eaLnBrk="0" fontAlgn="base" latinLnBrk="0" hangingPunct="0">
+            <a:pPr marL="720000" marR="0" lvl="0" indent="-457200" algn="l" defTabSz="914400" rtl="0" eaLnBrk="0" fontAlgn="base" latinLnBrk="0" hangingPunct="0">
               <a:lnSpc>
                 <a:spcPct val="100000"/>
               </a:lnSpc>
@@ -30258,7 +30248,7 @@
             </a:r>
           </a:p>
           <a:p>
-            <a:pPr marL="360000" marR="0" lvl="0" algn="l" defTabSz="914400" rtl="0" eaLnBrk="0" fontAlgn="base" latinLnBrk="0" hangingPunct="0">
+            <a:pPr marL="720000" marR="0" lvl="0" indent="-457200" algn="l" defTabSz="914400" rtl="0" eaLnBrk="0" fontAlgn="base" latinLnBrk="0" hangingPunct="0">
               <a:lnSpc>
                 <a:spcPct val="100000"/>
               </a:lnSpc>
@@ -30290,11 +30280,11 @@
                 <a:ea typeface="+mn-ea"/>
                 <a:cs typeface="+mn-cs"/>
               </a:rPr>
-              <a:t> Модули должны иметь короткие имена, состоящие из маленьких букв.</a:t>
-            </a:r>
-          </a:p>
-          <a:p>
-            <a:pPr marL="360000" marR="0" lvl="0" algn="l" defTabSz="914400" rtl="0" eaLnBrk="0" fontAlgn="base" latinLnBrk="0" hangingPunct="0">
+              <a:t>Модули должны иметь короткие имена, состоящие из маленьких букв.</a:t>
+            </a:r>
+          </a:p>
+          <a:p>
+            <a:pPr marL="720000" marR="0" lvl="0" indent="-457200" algn="l" defTabSz="914400" rtl="0" eaLnBrk="0" fontAlgn="base" latinLnBrk="0" hangingPunct="0">
               <a:lnSpc>
                 <a:spcPct val="100000"/>
               </a:lnSpc>
@@ -30326,11 +30316,11 @@
                 <a:ea typeface="+mn-ea"/>
                 <a:cs typeface="+mn-cs"/>
               </a:rPr>
-              <a:t> Имена классов должны обычно следовать соглашению CapWords.</a:t>
-            </a:r>
-          </a:p>
-          <a:p>
-            <a:pPr marL="360000" marR="0" lvl="0" algn="l" defTabSz="914400" rtl="0" eaLnBrk="0" fontAlgn="base" latinLnBrk="0" hangingPunct="0">
+              <a:t>Имена классов должны обычно следовать соглашению CapWords.</a:t>
+            </a:r>
+          </a:p>
+          <a:p>
+            <a:pPr marL="720000" marR="0" lvl="0" indent="-457200" algn="l" defTabSz="914400" rtl="0" eaLnBrk="0" fontAlgn="base" latinLnBrk="0" hangingPunct="0">
               <a:lnSpc>
                 <a:spcPct val="100000"/>
               </a:lnSpc>
@@ -30362,11 +30352,11 @@
                 <a:ea typeface="+mn-ea"/>
                 <a:cs typeface="+mn-cs"/>
               </a:rPr>
-              <a:t> Имена функций должны состоять из маленьких букв, а слова разделяться символами подчеркивания.</a:t>
-            </a:r>
-          </a:p>
-          <a:p>
-            <a:pPr marL="360000" marR="0" lvl="0" algn="l" defTabSz="914400" rtl="0" eaLnBrk="0" fontAlgn="base" latinLnBrk="0" hangingPunct="0">
+              <a:t>Имена функций должны состоять из маленьких букв, а слова разделяться символами подчеркивания.</a:t>
+            </a:r>
+          </a:p>
+          <a:p>
+            <a:pPr marL="720000" marR="0" lvl="0" indent="-457200" algn="l" defTabSz="914400" rtl="0" eaLnBrk="0" fontAlgn="base" latinLnBrk="0" hangingPunct="0">
               <a:lnSpc>
                 <a:spcPct val="100000"/>
               </a:lnSpc>
@@ -30398,11 +30388,11 @@
                 <a:ea typeface="+mn-ea"/>
                 <a:cs typeface="+mn-cs"/>
               </a:rPr>
-              <a:t> Всегда используйте self в качестве первого аргумента метода экземпляра объекта.</a:t>
-            </a:r>
-          </a:p>
-          <a:p>
-            <a:pPr marL="360000" marR="0" lvl="0" algn="l" defTabSz="914400" rtl="0" eaLnBrk="0" fontAlgn="base" latinLnBrk="0" hangingPunct="0">
+              <a:t>Всегда используйте self в качестве первого аргумента метода экземпляра объекта.</a:t>
+            </a:r>
+          </a:p>
+          <a:p>
+            <a:pPr marL="720000" marR="0" lvl="0" indent="-457200" algn="l" defTabSz="914400" rtl="0" eaLnBrk="0" fontAlgn="base" latinLnBrk="0" hangingPunct="0">
               <a:lnSpc>
                 <a:spcPct val="100000"/>
               </a:lnSpc>
@@ -30434,7 +30424,7 @@
                 <a:ea typeface="+mn-ea"/>
                 <a:cs typeface="+mn-cs"/>
               </a:rPr>
-              <a:t> Всегда используйте cls в качестве первого аргумента метода класса.</a:t>
+              <a:t>Всегда используйте cls в качестве первого аргумента метода класса.</a:t>
             </a:r>
             <a:endParaRPr kumimoji="0" lang="en-US" sz="2000" b="0" i="0" u="none" strike="noStrike" kern="1200" cap="none" spc="0" normalizeH="0" baseline="0" noProof="0" dirty="0">
               <a:ln>
@@ -30906,7 +30896,7 @@
             </a:lvl9pPr>
           </a:lstStyle>
           <a:p>
-            <a:pPr marR="0" lvl="0" algn="l" defTabSz="914400" rtl="0" eaLnBrk="0" fontAlgn="base" latinLnBrk="0" hangingPunct="0">
+            <a:pPr marL="360000" marR="0" lvl="0" indent="-360000" algn="l" defTabSz="914400" rtl="0" eaLnBrk="0" fontAlgn="base" latinLnBrk="0" hangingPunct="0">
               <a:lnSpc>
                 <a:spcPct val="100000"/>
               </a:lnSpc>
@@ -30938,7 +30928,7 @@
                 <a:ea typeface="+mn-ea"/>
                 <a:cs typeface="+mn-cs"/>
               </a:rPr>
-              <a:t> Скачать и поставить Python версии 3.7 или выше, </a:t>
+              <a:t>Скачать и поставить Python версии 3.7 или выше, </a:t>
             </a:r>
             <a:r>
               <a:rPr kumimoji="0" lang="en-US" altLang="ru-RU" sz="2400" b="0" i="0" u="none" strike="noStrike" kern="1200" cap="none" spc="0" normalizeH="0" baseline="0" noProof="0" dirty="0">
@@ -30985,7 +30975,7 @@
             </a:r>
           </a:p>
           <a:p>
-            <a:pPr marR="0" lvl="0" algn="l" defTabSz="914400" rtl="0" eaLnBrk="0" fontAlgn="base" latinLnBrk="0" hangingPunct="0">
+            <a:pPr marL="360000" marR="0" lvl="0" indent="-360000" algn="l" defTabSz="914400" rtl="0" eaLnBrk="0" fontAlgn="base" latinLnBrk="0" hangingPunct="0">
               <a:lnSpc>
                 <a:spcPct val="100000"/>
               </a:lnSpc>
@@ -31017,7 +31007,7 @@
                 <a:ea typeface="+mn-ea"/>
                 <a:cs typeface="+mn-cs"/>
               </a:rPr>
-              <a:t> Скачать</a:t>
+              <a:t>Скачать</a:t>
             </a:r>
             <a:r>
               <a:rPr lang="en-US" altLang="ru-RU" sz="2400" dirty="0">
@@ -31056,7 +31046,7 @@
             </a:r>
           </a:p>
           <a:p>
-            <a:pPr marR="0" lvl="0" algn="l" defTabSz="914400" rtl="0" eaLnBrk="0" fontAlgn="base" latinLnBrk="0" hangingPunct="0">
+            <a:pPr marL="360000" marR="0" lvl="0" indent="-360000" algn="l" defTabSz="914400" rtl="0" eaLnBrk="0" fontAlgn="base" latinLnBrk="0" hangingPunct="0">
               <a:lnSpc>
                 <a:spcPct val="100000"/>
               </a:lnSpc>
@@ -31088,7 +31078,7 @@
                 <a:ea typeface="+mn-ea"/>
                 <a:cs typeface="+mn-cs"/>
               </a:rPr>
-              <a:t> Создать виртуальное окружение (в терминале Windows или Linux) и установить </a:t>
+              <a:t>Создать виртуальное окружение (в терминале Windows или Linux) и установить </a:t>
             </a:r>
             <a:r>
               <a:rPr kumimoji="0" lang="ru-RU" altLang="ru-RU" sz="2400" b="0" i="0" u="sng" strike="noStrike" kern="1200" cap="none" spc="0" normalizeH="0" baseline="0" noProof="0" dirty="0">
@@ -31228,7 +31218,7 @@
             </a:r>
           </a:p>
           <a:p>
-            <a:pPr marR="0" lvl="0" algn="l" defTabSz="914400" rtl="0" eaLnBrk="0" fontAlgn="base" latinLnBrk="0" hangingPunct="0">
+            <a:pPr marL="360000" marR="0" lvl="0" indent="-360000" algn="l" defTabSz="914400" rtl="0" eaLnBrk="0" fontAlgn="base" latinLnBrk="0" hangingPunct="0">
               <a:lnSpc>
                 <a:spcPct val="100000"/>
               </a:lnSpc>
@@ -31260,7 +31250,7 @@
                 <a:ea typeface="+mn-ea"/>
                 <a:cs typeface="+mn-cs"/>
               </a:rPr>
-              <a:t> Написать эхо-скрипт на </a:t>
+              <a:t>Написать эхо-скрипт на </a:t>
             </a:r>
             <a:r>
               <a:rPr kumimoji="0" lang="en-US" altLang="ru-RU" sz="2400" b="0" i="0" u="none" strike="noStrike" kern="1200" cap="none" spc="0" normalizeH="0" baseline="0" noProof="0" dirty="0">
@@ -31332,7 +31322,7 @@
             </a:r>
           </a:p>
           <a:p>
-            <a:pPr marR="0" lvl="0" algn="l" defTabSz="914400" rtl="0" eaLnBrk="0" fontAlgn="base" latinLnBrk="0" hangingPunct="0">
+            <a:pPr marL="360000" marR="0" lvl="0" indent="-360000" algn="l" defTabSz="914400" rtl="0" eaLnBrk="0" fontAlgn="base" latinLnBrk="0" hangingPunct="0">
               <a:lnSpc>
                 <a:spcPct val="100000"/>
               </a:lnSpc>
@@ -31364,7 +31354,7 @@
                 <a:ea typeface="+mn-ea"/>
                 <a:cs typeface="+mn-cs"/>
               </a:rPr>
-              <a:t> Прочитать про систему управления версиями GIT, подключиться к проектному репозиторию и склонировать его в локальную папку.</a:t>
+              <a:t>Прочитать про систему управления версиями GIT, подключиться к проектному репозиторию и склонировать его в локальную папку.</a:t>
             </a:r>
             <a:r>
               <a:rPr kumimoji="0" lang="en-US" altLang="ru-RU" sz="2400" b="0" i="0" u="none" strike="noStrike" kern="1200" cap="none" spc="0" normalizeH="0" baseline="0" noProof="0" dirty="0">
@@ -31399,7 +31389,7 @@
             </a:endParaRPr>
           </a:p>
           <a:p>
-            <a:pPr marR="0" lvl="0" algn="l" defTabSz="914400" rtl="0" eaLnBrk="0" fontAlgn="base" latinLnBrk="0" hangingPunct="0">
+            <a:pPr marL="360000" marR="0" lvl="0" indent="-360000" algn="l" defTabSz="914400" rtl="0" eaLnBrk="0" fontAlgn="base" latinLnBrk="0" hangingPunct="0">
               <a:lnSpc>
                 <a:spcPct val="100000"/>
               </a:lnSpc>
@@ -31417,6 +31407,15 @@
               <a:defRPr/>
             </a:pPr>
             <a:r>
+              <a:rPr lang="ru-RU" altLang="ru-RU" sz="2400" dirty="0">
+                <a:solidFill>
+                  <a:srgbClr val="002060"/>
+                </a:solidFill>
+                <a:latin typeface="Calibri" panose="020F0502020204030204"/>
+              </a:rPr>
+              <a:t>В</a:t>
+            </a:r>
+            <a:r>
               <a:rPr kumimoji="0" lang="ru-RU" altLang="ru-RU" sz="2400" b="0" i="0" u="none" strike="noStrike" kern="1200" cap="none" spc="0" normalizeH="0" baseline="0" noProof="0" dirty="0">
                 <a:ln>
                   <a:noFill/>
@@ -31431,16 +31430,24 @@
                 <a:ea typeface="+mn-ea"/>
                 <a:cs typeface="+mn-cs"/>
               </a:rPr>
-              <a:t> </a:t>
-            </a:r>
-            <a:r>
-              <a:rPr lang="ru-RU" altLang="ru-RU" sz="2400" dirty="0">
+              <a:t> папке </a:t>
+            </a:r>
+            <a:r>
+              <a:rPr kumimoji="0" lang="en-US" altLang="ru-RU" sz="2400" b="0" i="0" u="none" strike="noStrike" kern="1200" cap="none" spc="0" normalizeH="0" baseline="0" noProof="0" dirty="0">
+                <a:ln>
+                  <a:noFill/>
+                </a:ln>
                 <a:solidFill>
                   <a:srgbClr val="002060"/>
                 </a:solidFill>
+                <a:effectLst/>
+                <a:uLnTx/>
+                <a:uFillTx/>
                 <a:latin typeface="Calibri" panose="020F0502020204030204"/>
-              </a:rPr>
-              <a:t>В</a:t>
+                <a:ea typeface="+mn-ea"/>
+                <a:cs typeface="+mn-cs"/>
+              </a:rPr>
+              <a:t>Practice</a:t>
             </a:r>
             <a:r>
               <a:rPr kumimoji="0" lang="ru-RU" altLang="ru-RU" sz="2400" b="0" i="0" u="none" strike="noStrike" kern="1200" cap="none" spc="0" normalizeH="0" baseline="0" noProof="0" dirty="0">
@@ -31457,7 +31464,7 @@
                 <a:ea typeface="+mn-ea"/>
                 <a:cs typeface="+mn-cs"/>
               </a:rPr>
-              <a:t> папке </a:t>
+              <a:t> создать свою подпапку</a:t>
             </a:r>
             <a:r>
               <a:rPr kumimoji="0" lang="en-US" altLang="ru-RU" sz="2400" b="0" i="0" u="none" strike="noStrike" kern="1200" cap="none" spc="0" normalizeH="0" baseline="0" noProof="0" dirty="0">
@@ -31474,7 +31481,7 @@
                 <a:ea typeface="+mn-ea"/>
                 <a:cs typeface="+mn-cs"/>
               </a:rPr>
-              <a:t>Practice</a:t>
+              <a:t>.</a:t>
             </a:r>
             <a:r>
               <a:rPr kumimoji="0" lang="ru-RU" altLang="ru-RU" sz="2400" b="0" i="0" u="none" strike="noStrike" kern="1200" cap="none" spc="0" normalizeH="0" baseline="0" noProof="0" dirty="0">
@@ -31491,7 +31498,7 @@
                 <a:ea typeface="+mn-ea"/>
                 <a:cs typeface="+mn-cs"/>
               </a:rPr>
-              <a:t> создать свою подпапку</a:t>
+              <a:t> Назвать по аналогии: </a:t>
             </a:r>
             <a:r>
               <a:rPr kumimoji="0" lang="en-US" altLang="ru-RU" sz="2400" b="0" i="0" u="none" strike="noStrike" kern="1200" cap="none" spc="0" normalizeH="0" baseline="0" noProof="0" dirty="0">
@@ -31508,45 +31515,11 @@
                 <a:ea typeface="+mn-ea"/>
                 <a:cs typeface="+mn-cs"/>
               </a:rPr>
-              <a:t>.</a:t>
-            </a:r>
-            <a:r>
-              <a:rPr kumimoji="0" lang="ru-RU" altLang="ru-RU" sz="2400" b="0" i="0" u="none" strike="noStrike" kern="1200" cap="none" spc="0" normalizeH="0" baseline="0" noProof="0" dirty="0">
-                <a:ln>
-                  <a:noFill/>
-                </a:ln>
-                <a:solidFill>
-                  <a:srgbClr val="002060"/>
-                </a:solidFill>
-                <a:effectLst/>
-                <a:uLnTx/>
-                <a:uFillTx/>
-                <a:latin typeface="Calibri" panose="020F0502020204030204"/>
-                <a:ea typeface="+mn-ea"/>
-                <a:cs typeface="+mn-cs"/>
-              </a:rPr>
-              <a:t> Назвать по аналогии: </a:t>
-            </a:r>
-            <a:r>
-              <a:rPr kumimoji="0" lang="en-US" altLang="ru-RU" sz="2400" b="0" i="0" u="none" strike="noStrike" kern="1200" cap="none" spc="0" normalizeH="0" baseline="0" noProof="0" dirty="0">
-                <a:ln>
-                  <a:noFill/>
-                </a:ln>
-                <a:solidFill>
-                  <a:srgbClr val="002060"/>
-                </a:solidFill>
-                <a:effectLst/>
-                <a:uLnTx/>
-                <a:uFillTx/>
-                <a:latin typeface="Calibri" panose="020F0502020204030204"/>
-                <a:ea typeface="+mn-ea"/>
-                <a:cs typeface="+mn-cs"/>
-              </a:rPr>
               <a:t>iorlov.</a:t>
             </a:r>
           </a:p>
           <a:p>
-            <a:pPr marR="0" lvl="0" algn="l" defTabSz="914400" rtl="0" eaLnBrk="0" fontAlgn="base" latinLnBrk="0" hangingPunct="0">
+            <a:pPr marL="360000" marR="0" lvl="0" indent="-360000" algn="l" defTabSz="914400" rtl="0" eaLnBrk="0" fontAlgn="base" latinLnBrk="0" hangingPunct="0">
               <a:lnSpc>
                 <a:spcPct val="100000"/>
               </a:lnSpc>
@@ -31564,13 +31537,22 @@
               <a:defRPr/>
             </a:pPr>
             <a:r>
+              <a:rPr lang="ru-RU" altLang="ru-RU" sz="2400" dirty="0">
+                <a:solidFill>
+                  <a:srgbClr val="002060"/>
+                </a:solidFill>
+                <a:latin typeface="Calibri" panose="020F0502020204030204"/>
+              </a:rPr>
+              <a:t>Скопировать </a:t>
+            </a:r>
+            <a:r>
               <a:rPr lang="en-US" altLang="ru-RU" sz="2400" dirty="0">
                 <a:solidFill>
                   <a:srgbClr val="002060"/>
                 </a:solidFill>
                 <a:latin typeface="Calibri" panose="020F0502020204030204"/>
               </a:rPr>
-              <a:t> </a:t>
+              <a:t>Tasks/pep8task.py</a:t>
             </a:r>
             <a:r>
               <a:rPr lang="ru-RU" altLang="ru-RU" sz="2400" dirty="0">
@@ -31579,7 +31561,7 @@
                 </a:solidFill>
                 <a:latin typeface="Calibri" panose="020F0502020204030204"/>
               </a:rPr>
-              <a:t>Скопировать </a:t>
+              <a:t> в свою папку, провести статический анализ кода</a:t>
             </a:r>
             <a:r>
               <a:rPr lang="en-US" altLang="ru-RU" sz="2400" dirty="0">
@@ -31588,7 +31570,7 @@
                 </a:solidFill>
                 <a:latin typeface="Calibri" panose="020F0502020204030204"/>
               </a:rPr>
-              <a:t>Tasks/pep8task.py</a:t>
+              <a:t>,</a:t>
             </a:r>
             <a:r>
               <a:rPr lang="ru-RU" altLang="ru-RU" sz="2400" dirty="0">
@@ -31597,34 +31579,7 @@
                 </a:solidFill>
                 <a:latin typeface="Calibri" panose="020F0502020204030204"/>
               </a:rPr>
-              <a:t> в свою папку, провести статический анализ кода</a:t>
-            </a:r>
-            <a:r>
-              <a:rPr lang="en-US" altLang="ru-RU" sz="2400">
-                <a:solidFill>
-                  <a:srgbClr val="002060"/>
-                </a:solidFill>
-                <a:latin typeface="Calibri" panose="020F0502020204030204"/>
-              </a:rPr>
-              <a:t>,</a:t>
-            </a:r>
-            <a:r>
-              <a:rPr lang="ru-RU" altLang="ru-RU" sz="2400">
-                <a:solidFill>
-                  <a:srgbClr val="002060"/>
-                </a:solidFill>
-                <a:latin typeface="Calibri" panose="020F0502020204030204"/>
-              </a:rPr>
-              <a:t> </a:t>
-            </a:r>
-            <a:r>
-              <a:rPr lang="ru-RU" altLang="ru-RU" sz="2400" dirty="0">
-                <a:solidFill>
-                  <a:srgbClr val="002060"/>
-                </a:solidFill>
-                <a:latin typeface="Calibri" panose="020F0502020204030204"/>
-              </a:rPr>
-              <a:t>найти ошибки (в первую очередь, нарушения </a:t>
+              <a:t> найти ошибки (в первую очередь, нарушения </a:t>
             </a:r>
             <a:r>
               <a:rPr lang="en-US" altLang="ru-RU" sz="2400" dirty="0">

--- a/Lectures/py_lec_1.pptx
+++ b/Lectures/py_lec_1.pptx
@@ -222,7 +222,7 @@
           <a:p>
             <a:fld id="{FF08647B-1F9F-41A4-B867-46FC175D451E}" type="datetimeFigureOut">
               <a:rPr lang="ru-RU" smtClean="0"/>
-              <a:t>17.06.2021</a:t>
+              <a:t>18.06.2021</a:t>
             </a:fld>
             <a:endParaRPr lang="ru-RU"/>
           </a:p>
@@ -18089,7 +18089,7 @@
                 </a:solidFill>
                 <a:latin typeface="+mn-lt"/>
               </a:rPr>
-              <a:t> Используйте 4 пробела для обозначения очередного уровня вложенности. </a:t>
+              <a:t>Используйте 4 пробела для обозначения очередного уровня вложенности. </a:t>
             </a:r>
           </a:p>
           <a:p>
@@ -18107,7 +18107,7 @@
                 </a:solidFill>
                 <a:latin typeface="+mn-lt"/>
               </a:rPr>
-              <a:t> В многострочных выражениях элементы в скобках должны выравниваться либо вертикально по воображаемой линии внутри скобок (круглых, квадратных или фигурных), либо с использованием висячего отступа. При использовании висячего отступа на первой линии не должно быть аргументов, а остальные строки должны четко восприниматься как продолжение одного выражения.</a:t>
+              <a:t>В многострочных выражениях элементы в скобках должны выравниваться либо вертикально по воображаемой линии внутри скобок (круглых, квадратных или фигурных), либо с использованием висячего отступа. При использовании висячего отступа на первой линии не должно быть аргументов, а остальные строки должны четко восприниматься как продолжение одного выражения.</a:t>
             </a:r>
           </a:p>
           <a:p>
@@ -19773,7 +19773,7 @@
             </a:endParaRPr>
           </a:p>
           <a:p>
-            <a:pPr algn="just" eaLnBrk="1" hangingPunct="1">
+            <a:pPr marL="360000" indent="-360000" algn="just" eaLnBrk="1" hangingPunct="1">
               <a:spcBef>
                 <a:spcPct val="0"/>
               </a:spcBef>
@@ -19785,7 +19785,7 @@
                 </a:solidFill>
                 <a:latin typeface="+mn-lt"/>
               </a:rPr>
-              <a:t> Положение среди других языков программирования</a:t>
+              <a:t>Положение среди других языков программирования</a:t>
             </a:r>
             <a:endParaRPr lang="en-US" altLang="ru-RU" sz="2800" dirty="0">
               <a:solidFill>
@@ -19795,7 +19795,7 @@
             </a:endParaRPr>
           </a:p>
           <a:p>
-            <a:pPr algn="just" eaLnBrk="1" hangingPunct="1">
+            <a:pPr marL="360000" indent="-360000" algn="just" eaLnBrk="1" hangingPunct="1">
               <a:spcBef>
                 <a:spcPct val="0"/>
               </a:spcBef>
@@ -19807,11 +19807,11 @@
                 </a:solidFill>
                 <a:latin typeface="+mn-lt"/>
               </a:rPr>
-              <a:t> Преимущества</a:t>
-            </a:r>
-          </a:p>
-          <a:p>
-            <a:pPr algn="just" eaLnBrk="1" hangingPunct="1">
+              <a:t>Преимущества</a:t>
+            </a:r>
+          </a:p>
+          <a:p>
+            <a:pPr marL="360000" indent="-360000" algn="just" eaLnBrk="1" hangingPunct="1">
               <a:spcBef>
                 <a:spcPct val="0"/>
               </a:spcBef>
@@ -19823,11 +19823,11 @@
                 </a:solidFill>
                 <a:latin typeface="+mn-lt"/>
               </a:rPr>
-              <a:t> Недостатки</a:t>
-            </a:r>
-          </a:p>
-          <a:p>
-            <a:pPr algn="just" eaLnBrk="1" hangingPunct="1">
+              <a:t>Недостатки</a:t>
+            </a:r>
+          </a:p>
+          <a:p>
+            <a:pPr marL="360000" indent="-360000" algn="just" eaLnBrk="1" hangingPunct="1">
               <a:spcBef>
                 <a:spcPct val="0"/>
               </a:spcBef>
@@ -19839,11 +19839,11 @@
                 </a:solidFill>
                 <a:latin typeface="+mn-lt"/>
               </a:rPr>
-              <a:t> Сферы применения</a:t>
-            </a:r>
-          </a:p>
-          <a:p>
-            <a:pPr algn="just" eaLnBrk="1" hangingPunct="1">
+              <a:t>Сферы применения</a:t>
+            </a:r>
+          </a:p>
+          <a:p>
+            <a:pPr marL="360000" indent="-360000" algn="just" eaLnBrk="1" hangingPunct="1">
               <a:spcBef>
                 <a:spcPct val="0"/>
               </a:spcBef>
@@ -19855,11 +19855,11 @@
                 </a:solidFill>
                 <a:latin typeface="+mn-lt"/>
               </a:rPr>
-              <a:t> Инструментарий</a:t>
-            </a:r>
-          </a:p>
-          <a:p>
-            <a:pPr algn="just" eaLnBrk="1" hangingPunct="1">
+              <a:t>Инструментарий</a:t>
+            </a:r>
+          </a:p>
+          <a:p>
+            <a:pPr marL="360000" indent="-360000" algn="just" eaLnBrk="1" hangingPunct="1">
               <a:spcBef>
                 <a:spcPct val="0"/>
               </a:spcBef>
@@ -19871,11 +19871,11 @@
                 </a:solidFill>
                 <a:latin typeface="+mn-lt"/>
               </a:rPr>
-              <a:t> Как выполняется код</a:t>
-            </a:r>
-          </a:p>
-          <a:p>
-            <a:pPr algn="just" eaLnBrk="1" hangingPunct="1">
+              <a:t>Как выполняется код</a:t>
+            </a:r>
+          </a:p>
+          <a:p>
+            <a:pPr marL="360000" indent="-360000" algn="just" eaLnBrk="1" hangingPunct="1">
               <a:spcBef>
                 <a:spcPct val="0"/>
               </a:spcBef>
@@ -19887,11 +19887,11 @@
                 </a:solidFill>
                 <a:latin typeface="+mn-lt"/>
               </a:rPr>
-              <a:t> Основы синтаксиса</a:t>
-            </a:r>
-          </a:p>
-          <a:p>
-            <a:pPr algn="just" eaLnBrk="1" hangingPunct="1">
+              <a:t>Основы синтаксиса</a:t>
+            </a:r>
+          </a:p>
+          <a:p>
+            <a:pPr marL="360000" indent="-360000" algn="just" eaLnBrk="1" hangingPunct="1">
               <a:spcBef>
                 <a:spcPct val="0"/>
               </a:spcBef>
@@ -19903,24 +19903,15 @@
                 </a:solidFill>
                 <a:latin typeface="+mn-lt"/>
               </a:rPr>
-              <a:t> Виртуальное окружение</a:t>
-            </a:r>
-          </a:p>
-          <a:p>
-            <a:pPr algn="just">
+              <a:t>Виртуальное окружение</a:t>
+            </a:r>
+          </a:p>
+          <a:p>
+            <a:pPr marL="360000" indent="-360000" algn="just">
               <a:spcBef>
                 <a:spcPct val="0"/>
               </a:spcBef>
             </a:pPr>
-            <a:r>
-              <a:rPr lang="ru-RU" altLang="ru-RU" sz="2800" dirty="0">
-                <a:solidFill>
-                  <a:srgbClr val="002060"/>
-                </a:solidFill>
-                <a:latin typeface="+mn-lt"/>
-              </a:rPr>
-              <a:t> </a:t>
-            </a:r>
             <a:r>
               <a:rPr lang="en-US" altLang="ru-RU" sz="2800" dirty="0">
                 <a:solidFill>
@@ -19947,44 +19938,29 @@
             </a:endParaRPr>
           </a:p>
           <a:p>
-            <a:pPr algn="just" eaLnBrk="1" hangingPunct="1">
+            <a:pPr marL="360000" indent="-360000" algn="just" eaLnBrk="1" hangingPunct="1">
               <a:spcBef>
                 <a:spcPct val="0"/>
               </a:spcBef>
             </a:pPr>
             <a:r>
+              <a:rPr lang="en-US" altLang="ru-RU" sz="2800" dirty="0">
+                <a:solidFill>
+                  <a:srgbClr val="002060"/>
+                </a:solidFill>
+                <a:latin typeface="+mn-lt"/>
+              </a:rPr>
+              <a:t>PEP8 – </a:t>
+            </a:r>
+            <a:r>
               <a:rPr lang="ru-RU" altLang="ru-RU" sz="2800" dirty="0">
                 <a:solidFill>
                   <a:srgbClr val="002060"/>
                 </a:solidFill>
                 <a:latin typeface="+mn-lt"/>
               </a:rPr>
-              <a:t> </a:t>
-            </a:r>
-            <a:r>
-              <a:rPr lang="en-US" altLang="ru-RU" sz="2800" dirty="0">
-                <a:solidFill>
-                  <a:srgbClr val="002060"/>
-                </a:solidFill>
-                <a:latin typeface="+mn-lt"/>
-              </a:rPr>
-              <a:t>PEP8 – </a:t>
-            </a:r>
-            <a:r>
-              <a:rPr lang="ru-RU" altLang="ru-RU" sz="2800">
-                <a:solidFill>
-                  <a:srgbClr val="002060"/>
-                </a:solidFill>
-                <a:latin typeface="+mn-lt"/>
-              </a:rPr>
               <a:t>кодинг стайл</a:t>
             </a:r>
-            <a:endParaRPr lang="ru-RU" altLang="ru-RU" sz="2800" dirty="0">
-              <a:solidFill>
-                <a:srgbClr val="002060"/>
-              </a:solidFill>
-              <a:latin typeface="+mn-lt"/>
-            </a:endParaRPr>
           </a:p>
         </p:txBody>
       </p:sp>
@@ -29764,7 +29740,7 @@
             </a:r>
           </a:p>
           <a:p>
-            <a:pPr marL="720000" marR="0" lvl="0" indent="-457200" algn="l" defTabSz="914400" rtl="0" eaLnBrk="0" fontAlgn="base" latinLnBrk="0" hangingPunct="0">
+            <a:pPr marL="720000" marR="0" lvl="0" indent="-457200" algn="just" defTabSz="914400" rtl="0" eaLnBrk="0" fontAlgn="base" latinLnBrk="0" hangingPunct="0">
               <a:lnSpc>
                 <a:spcPct val="100000"/>
               </a:lnSpc>
@@ -29834,7 +29810,7 @@
             </a:r>
           </a:p>
           <a:p>
-            <a:pPr marL="720000" marR="0" lvl="0" indent="-457200" algn="l" defTabSz="914400" rtl="0" eaLnBrk="0" fontAlgn="base" latinLnBrk="0" hangingPunct="0">
+            <a:pPr marL="720000" marR="0" lvl="0" indent="-457200" algn="just" defTabSz="914400" rtl="0" eaLnBrk="0" fontAlgn="base" latinLnBrk="0" hangingPunct="0">
               <a:lnSpc>
                 <a:spcPct val="100000"/>
               </a:lnSpc>
@@ -29904,7 +29880,7 @@
             </a:r>
           </a:p>
           <a:p>
-            <a:pPr marL="720000" marR="0" lvl="0" indent="-457200" algn="l" defTabSz="914400" rtl="0" eaLnBrk="0" fontAlgn="base" latinLnBrk="0" hangingPunct="0">
+            <a:pPr marL="720000" marR="0" lvl="0" indent="-457200" algn="just" defTabSz="914400" rtl="0" eaLnBrk="0" fontAlgn="base" latinLnBrk="0" hangingPunct="0">
               <a:lnSpc>
                 <a:spcPct val="100000"/>
               </a:lnSpc>
@@ -30144,7 +30120,7 @@
             </a:r>
           </a:p>
           <a:p>
-            <a:pPr marL="720000" marR="0" lvl="0" indent="-457200" algn="l" defTabSz="914400" rtl="0" eaLnBrk="0" fontAlgn="base" latinLnBrk="0" hangingPunct="0">
+            <a:pPr marL="720000" marR="0" lvl="0" indent="-457200" algn="just" defTabSz="914400" rtl="0" eaLnBrk="0" fontAlgn="base" latinLnBrk="0" hangingPunct="0">
               <a:lnSpc>
                 <a:spcPct val="100000"/>
               </a:lnSpc>
@@ -30248,7 +30224,7 @@
             </a:r>
           </a:p>
           <a:p>
-            <a:pPr marL="720000" marR="0" lvl="0" indent="-457200" algn="l" defTabSz="914400" rtl="0" eaLnBrk="0" fontAlgn="base" latinLnBrk="0" hangingPunct="0">
+            <a:pPr marL="720000" marR="0" lvl="0" indent="-457200" algn="just" defTabSz="914400" rtl="0" eaLnBrk="0" fontAlgn="base" latinLnBrk="0" hangingPunct="0">
               <a:lnSpc>
                 <a:spcPct val="100000"/>
               </a:lnSpc>
@@ -30284,7 +30260,7 @@
             </a:r>
           </a:p>
           <a:p>
-            <a:pPr marL="720000" marR="0" lvl="0" indent="-457200" algn="l" defTabSz="914400" rtl="0" eaLnBrk="0" fontAlgn="base" latinLnBrk="0" hangingPunct="0">
+            <a:pPr marL="720000" marR="0" lvl="0" indent="-457200" algn="just" defTabSz="914400" rtl="0" eaLnBrk="0" fontAlgn="base" latinLnBrk="0" hangingPunct="0">
               <a:lnSpc>
                 <a:spcPct val="100000"/>
               </a:lnSpc>
@@ -30320,7 +30296,7 @@
             </a:r>
           </a:p>
           <a:p>
-            <a:pPr marL="720000" marR="0" lvl="0" indent="-457200" algn="l" defTabSz="914400" rtl="0" eaLnBrk="0" fontAlgn="base" latinLnBrk="0" hangingPunct="0">
+            <a:pPr marL="720000" marR="0" lvl="0" indent="-457200" algn="just" defTabSz="914400" rtl="0" eaLnBrk="0" fontAlgn="base" latinLnBrk="0" hangingPunct="0">
               <a:lnSpc>
                 <a:spcPct val="100000"/>
               </a:lnSpc>
@@ -30356,7 +30332,7 @@
             </a:r>
           </a:p>
           <a:p>
-            <a:pPr marL="720000" marR="0" lvl="0" indent="-457200" algn="l" defTabSz="914400" rtl="0" eaLnBrk="0" fontAlgn="base" latinLnBrk="0" hangingPunct="0">
+            <a:pPr marL="720000" marR="0" lvl="0" indent="-457200" algn="just" defTabSz="914400" rtl="0" eaLnBrk="0" fontAlgn="base" latinLnBrk="0" hangingPunct="0">
               <a:lnSpc>
                 <a:spcPct val="100000"/>
               </a:lnSpc>
@@ -30392,7 +30368,7 @@
             </a:r>
           </a:p>
           <a:p>
-            <a:pPr marL="720000" marR="0" lvl="0" indent="-457200" algn="l" defTabSz="914400" rtl="0" eaLnBrk="0" fontAlgn="base" latinLnBrk="0" hangingPunct="0">
+            <a:pPr marL="720000" marR="0" lvl="0" indent="-457200" algn="just" defTabSz="914400" rtl="0" eaLnBrk="0" fontAlgn="base" latinLnBrk="0" hangingPunct="0">
               <a:lnSpc>
                 <a:spcPct val="100000"/>
               </a:lnSpc>
@@ -30896,7 +30872,7 @@
             </a:lvl9pPr>
           </a:lstStyle>
           <a:p>
-            <a:pPr marL="360000" marR="0" lvl="0" indent="-360000" algn="l" defTabSz="914400" rtl="0" eaLnBrk="0" fontAlgn="base" latinLnBrk="0" hangingPunct="0">
+            <a:pPr marL="360000" marR="0" lvl="0" indent="-360000" algn="just" defTabSz="914400" rtl="0" eaLnBrk="0" fontAlgn="base" latinLnBrk="0" hangingPunct="0">
               <a:lnSpc>
                 <a:spcPct val="100000"/>
               </a:lnSpc>
@@ -30975,7 +30951,7 @@
             </a:r>
           </a:p>
           <a:p>
-            <a:pPr marL="360000" marR="0" lvl="0" indent="-360000" algn="l" defTabSz="914400" rtl="0" eaLnBrk="0" fontAlgn="base" latinLnBrk="0" hangingPunct="0">
+            <a:pPr marL="360000" marR="0" lvl="0" indent="-360000" algn="just" defTabSz="914400" rtl="0" eaLnBrk="0" fontAlgn="base" latinLnBrk="0" hangingPunct="0">
               <a:lnSpc>
                 <a:spcPct val="100000"/>
               </a:lnSpc>
@@ -31046,7 +31022,7 @@
             </a:r>
           </a:p>
           <a:p>
-            <a:pPr marL="360000" marR="0" lvl="0" indent="-360000" algn="l" defTabSz="914400" rtl="0" eaLnBrk="0" fontAlgn="base" latinLnBrk="0" hangingPunct="0">
+            <a:pPr marL="360000" marR="0" lvl="0" indent="-360000" algn="just" defTabSz="914400" rtl="0" eaLnBrk="0" fontAlgn="base" latinLnBrk="0" hangingPunct="0">
               <a:lnSpc>
                 <a:spcPct val="100000"/>
               </a:lnSpc>
@@ -31218,7 +31194,7 @@
             </a:r>
           </a:p>
           <a:p>
-            <a:pPr marL="360000" marR="0" lvl="0" indent="-360000" algn="l" defTabSz="914400" rtl="0" eaLnBrk="0" fontAlgn="base" latinLnBrk="0" hangingPunct="0">
+            <a:pPr marL="360000" marR="0" lvl="0" indent="-360000" algn="just" defTabSz="914400" rtl="0" eaLnBrk="0" fontAlgn="base" latinLnBrk="0" hangingPunct="0">
               <a:lnSpc>
                 <a:spcPct val="100000"/>
               </a:lnSpc>
@@ -31322,7 +31298,7 @@
             </a:r>
           </a:p>
           <a:p>
-            <a:pPr marL="360000" marR="0" lvl="0" indent="-360000" algn="l" defTabSz="914400" rtl="0" eaLnBrk="0" fontAlgn="base" latinLnBrk="0" hangingPunct="0">
+            <a:pPr marL="360000" marR="0" lvl="0" indent="-360000" algn="just" defTabSz="914400" rtl="0" eaLnBrk="0" fontAlgn="base" latinLnBrk="0" hangingPunct="0">
               <a:lnSpc>
                 <a:spcPct val="100000"/>
               </a:lnSpc>
@@ -31389,7 +31365,7 @@
             </a:endParaRPr>
           </a:p>
           <a:p>
-            <a:pPr marL="360000" marR="0" lvl="0" indent="-360000" algn="l" defTabSz="914400" rtl="0" eaLnBrk="0" fontAlgn="base" latinLnBrk="0" hangingPunct="0">
+            <a:pPr marL="360000" marR="0" lvl="0" indent="-360000" algn="just" defTabSz="914400" rtl="0" eaLnBrk="0" fontAlgn="base" latinLnBrk="0" hangingPunct="0">
               <a:lnSpc>
                 <a:spcPct val="100000"/>
               </a:lnSpc>
@@ -31519,7 +31495,7 @@
             </a:r>
           </a:p>
           <a:p>
-            <a:pPr marL="360000" marR="0" lvl="0" indent="-360000" algn="l" defTabSz="914400" rtl="0" eaLnBrk="0" fontAlgn="base" latinLnBrk="0" hangingPunct="0">
+            <a:pPr marL="360000" marR="0" lvl="0" indent="-360000" algn="just" defTabSz="914400" rtl="0" eaLnBrk="0" fontAlgn="base" latinLnBrk="0" hangingPunct="0">
               <a:lnSpc>
                 <a:spcPct val="100000"/>
               </a:lnSpc>
@@ -33464,7 +33440,7 @@
             </a:lvl9pPr>
           </a:lstStyle>
           <a:p>
-            <a:pPr marL="457200" indent="-457200" algn="just">
+            <a:pPr marL="360000" indent="-360000" algn="just">
               <a:spcBef>
                 <a:spcPct val="0"/>
               </a:spcBef>
@@ -33480,7 +33456,7 @@
             </a:r>
           </a:p>
           <a:p>
-            <a:pPr marL="457200" indent="-457200" algn="just">
+            <a:pPr marL="360000" indent="-360000" algn="just">
               <a:spcBef>
                 <a:spcPct val="0"/>
               </a:spcBef>
@@ -33496,7 +33472,7 @@
             </a:r>
           </a:p>
           <a:p>
-            <a:pPr marL="457200" indent="-457200" algn="just">
+            <a:pPr marL="360000" indent="-360000" algn="just">
               <a:spcBef>
                 <a:spcPct val="0"/>
               </a:spcBef>
@@ -33512,7 +33488,7 @@
             </a:r>
           </a:p>
           <a:p>
-            <a:pPr marL="457200" indent="-457200" algn="just">
+            <a:pPr marL="360000" indent="-360000" algn="just">
               <a:spcBef>
                 <a:spcPct val="0"/>
               </a:spcBef>
@@ -33528,7 +33504,7 @@
             </a:r>
           </a:p>
           <a:p>
-            <a:pPr marL="457200" indent="-457200" algn="just">
+            <a:pPr marL="360000" indent="-360000" algn="just">
               <a:spcBef>
                 <a:spcPct val="0"/>
               </a:spcBef>
@@ -33544,7 +33520,7 @@
             </a:r>
           </a:p>
           <a:p>
-            <a:pPr marL="457200" indent="-457200" algn="just">
+            <a:pPr marL="360000" indent="-360000" algn="just">
               <a:spcBef>
                 <a:spcPct val="0"/>
               </a:spcBef>
@@ -33560,7 +33536,7 @@
             </a:r>
           </a:p>
           <a:p>
-            <a:pPr marL="457200" indent="-457200" algn="just">
+            <a:pPr marL="360000" indent="-360000" algn="just">
               <a:spcBef>
                 <a:spcPct val="0"/>
               </a:spcBef>
@@ -34103,7 +34079,7 @@
             </a:lvl9pPr>
           </a:lstStyle>
           <a:p>
-            <a:pPr marL="457200" indent="-457200" algn="just">
+            <a:pPr marL="360000" indent="-360000" algn="just">
               <a:spcBef>
                 <a:spcPct val="0"/>
               </a:spcBef>
@@ -34119,7 +34095,7 @@
             </a:r>
           </a:p>
           <a:p>
-            <a:pPr marL="457200" indent="-457200" algn="just">
+            <a:pPr marL="360000" indent="-360000" algn="just">
               <a:spcBef>
                 <a:spcPct val="0"/>
               </a:spcBef>
@@ -34135,7 +34111,7 @@
             </a:r>
           </a:p>
           <a:p>
-            <a:pPr marL="457200" indent="-457200" algn="just">
+            <a:pPr marL="360000" indent="-360000" algn="just">
               <a:spcBef>
                 <a:spcPct val="0"/>
               </a:spcBef>
@@ -34151,7 +34127,7 @@
             </a:r>
           </a:p>
           <a:p>
-            <a:pPr marL="457200" indent="-457200" algn="just">
+            <a:pPr marL="360000" indent="-360000" algn="just">
               <a:spcBef>
                 <a:spcPct val="0"/>
               </a:spcBef>
@@ -34677,7 +34653,7 @@
             </a:lvl9pPr>
           </a:lstStyle>
           <a:p>
-            <a:pPr marL="457200" indent="-457200" algn="just">
+            <a:pPr marL="360000" indent="-360000" algn="just">
               <a:spcBef>
                 <a:spcPct val="0"/>
               </a:spcBef>
@@ -34702,7 +34678,7 @@
             </a:r>
           </a:p>
           <a:p>
-            <a:pPr marL="457200" indent="-457200" algn="just">
+            <a:pPr marL="360000" indent="-360000" algn="just">
               <a:spcBef>
                 <a:spcPct val="0"/>
               </a:spcBef>
@@ -34745,7 +34721,7 @@
             </a:r>
           </a:p>
           <a:p>
-            <a:pPr marL="457200" indent="-457200" algn="just">
+            <a:pPr marL="360000" indent="-360000" algn="just">
               <a:spcBef>
                 <a:spcPct val="0"/>
               </a:spcBef>
@@ -34770,7 +34746,7 @@
             </a:r>
           </a:p>
           <a:p>
-            <a:pPr marL="457200" indent="-457200" algn="just">
+            <a:pPr marL="360000" indent="-360000" algn="just">
               <a:spcBef>
                 <a:spcPct val="0"/>
               </a:spcBef>
@@ -34795,7 +34771,7 @@
             </a:r>
           </a:p>
           <a:p>
-            <a:pPr marL="457200" indent="-457200" algn="just">
+            <a:pPr marL="360000" indent="-360000" algn="just">
               <a:spcBef>
                 <a:spcPct val="0"/>
               </a:spcBef>
@@ -34820,7 +34796,7 @@
             </a:r>
           </a:p>
           <a:p>
-            <a:pPr marL="457200" indent="-457200" algn="just">
+            <a:pPr marL="360000" indent="-360000" algn="just">
               <a:spcBef>
                 <a:spcPct val="0"/>
               </a:spcBef>
@@ -35670,7 +35646,7 @@
             </a:lvl9pPr>
           </a:lstStyle>
           <a:p>
-            <a:pPr marL="457200" indent="-457200" algn="just">
+            <a:pPr marL="360000" indent="-360000" algn="just">
               <a:spcBef>
                 <a:spcPct val="0"/>
               </a:spcBef>
@@ -35686,7 +35662,7 @@
             </a:r>
           </a:p>
           <a:p>
-            <a:pPr marL="457200" indent="-457200" algn="just">
+            <a:pPr marL="360000" indent="-360000" algn="just">
               <a:spcBef>
                 <a:spcPct val="0"/>
               </a:spcBef>
@@ -35702,7 +35678,7 @@
             </a:r>
           </a:p>
           <a:p>
-            <a:pPr marL="457200" indent="-457200" algn="just">
+            <a:pPr marL="360000" indent="-360000" algn="just">
               <a:spcBef>
                 <a:spcPct val="0"/>
               </a:spcBef>
@@ -35718,7 +35694,7 @@
             </a:r>
           </a:p>
           <a:p>
-            <a:pPr marL="457200" indent="-457200" algn="just">
+            <a:pPr marL="360000" indent="-360000" algn="just">
               <a:spcBef>
                 <a:spcPct val="0"/>
               </a:spcBef>

--- a/Lectures/py_lec_1.pptx
+++ b/Lectures/py_lec_1.pptx
@@ -222,7 +222,7 @@
           <a:p>
             <a:fld id="{FF08647B-1F9F-41A4-B867-46FC175D451E}" type="datetimeFigureOut">
               <a:rPr lang="ru-RU" smtClean="0"/>
-              <a:t>18.06.2021</a:t>
+              <a:t>22.06.2021</a:t>
             </a:fld>
             <a:endParaRPr lang="ru-RU"/>
           </a:p>
@@ -14539,22 +14539,13 @@
               <a:buNone/>
             </a:pPr>
             <a:r>
-              <a:rPr lang="ru-RU" altLang="ru-RU" sz="2400" dirty="0" err="1">
+              <a:rPr lang="ru-RU" altLang="ru-RU" sz="2400" dirty="0">
                 <a:solidFill>
                   <a:srgbClr val="002060"/>
                 </a:solidFill>
                 <a:latin typeface="+mn-lt"/>
               </a:rPr>
-              <a:t>virtualenv</a:t>
-            </a:r>
-            <a:r>
-              <a:rPr lang="ru-RU" altLang="ru-RU" sz="2400" dirty="0">
-                <a:solidFill>
-                  <a:srgbClr val="002060"/>
-                </a:solidFill>
-                <a:latin typeface="+mn-lt"/>
-              </a:rPr>
-              <a:t> – это пакет расширения, который можно установить, используя pip.</a:t>
+              <a:t>virtualenv – это пакет расширения, который можно установить, используя pip.</a:t>
             </a:r>
             <a:endParaRPr lang="en-US" altLang="ru-RU" sz="2400" dirty="0">
               <a:solidFill>
@@ -18327,24 +18318,7 @@
                 <a:ea typeface="+mn-ea"/>
                 <a:cs typeface="+mn-cs"/>
               </a:rPr>
-              <a:t> </a:t>
-            </a:r>
-            <a:r>
-              <a:rPr kumimoji="0" lang="en-US" sz="1400" b="0" i="0" u="none" strike="noStrike" kern="1200" cap="none" spc="0" normalizeH="0" baseline="0" noProof="0" dirty="0" err="1">
-                <a:ln>
-                  <a:noFill/>
-                </a:ln>
-                <a:solidFill>
-                  <a:srgbClr val="000000"/>
-                </a:solidFill>
-                <a:effectLst/>
-                <a:uLnTx/>
-                <a:uFillTx/>
-                <a:latin typeface="Courier New" panose="02070309020205020404" pitchFamily="49" charset="0"/>
-                <a:ea typeface="+mn-ea"/>
-                <a:cs typeface="+mn-cs"/>
-              </a:rPr>
-              <a:t>long_function_name</a:t>
+              <a:t> long_function_name</a:t>
             </a:r>
             <a:r>
               <a:rPr kumimoji="0" lang="en-US" sz="1400" b="1" i="0" u="none" strike="noStrike" kern="1200" cap="none" spc="0" normalizeH="0" baseline="0" noProof="0" dirty="0">
@@ -18364,7 +18338,7 @@
               <a:t>(</a:t>
             </a:r>
             <a:r>
-              <a:rPr kumimoji="0" lang="en-US" sz="1400" b="0" i="0" u="none" strike="noStrike" kern="1200" cap="none" spc="0" normalizeH="0" baseline="0" noProof="0" dirty="0" err="1">
+              <a:rPr kumimoji="0" lang="en-US" sz="1400" b="0" i="0" u="none" strike="noStrike" kern="1200" cap="none" spc="0" normalizeH="0" baseline="0" noProof="0" dirty="0">
                 <a:ln>
                   <a:noFill/>
                 </a:ln>
@@ -18412,24 +18386,7 @@
                 <a:ea typeface="+mn-ea"/>
                 <a:cs typeface="+mn-cs"/>
               </a:rPr>
-              <a:t> </a:t>
-            </a:r>
-            <a:r>
-              <a:rPr kumimoji="0" lang="en-US" sz="1400" b="0" i="0" u="none" strike="noStrike" kern="1200" cap="none" spc="0" normalizeH="0" baseline="0" noProof="0" dirty="0" err="1">
-                <a:ln>
-                  <a:noFill/>
-                </a:ln>
-                <a:solidFill>
-                  <a:srgbClr val="000000"/>
-                </a:solidFill>
-                <a:effectLst/>
-                <a:uLnTx/>
-                <a:uFillTx/>
-                <a:latin typeface="Courier New" panose="02070309020205020404" pitchFamily="49" charset="0"/>
-                <a:ea typeface="+mn-ea"/>
-                <a:cs typeface="+mn-cs"/>
-              </a:rPr>
-              <a:t>var_two</a:t>
+              <a:t> var_two</a:t>
             </a:r>
             <a:r>
               <a:rPr kumimoji="0" lang="en-US" sz="1400" b="1" i="0" u="none" strike="noStrike" kern="1200" cap="none" spc="0" normalizeH="0" baseline="0" noProof="0" dirty="0">
@@ -18499,24 +18456,7 @@
                 <a:ea typeface="+mn-ea"/>
                 <a:cs typeface="+mn-cs"/>
               </a:rPr>
-              <a:t>                         </a:t>
-            </a:r>
-            <a:r>
-              <a:rPr kumimoji="0" lang="en-US" sz="1400" b="0" i="0" u="none" strike="noStrike" kern="1200" cap="none" spc="0" normalizeH="0" baseline="0" noProof="0" dirty="0" err="1">
-                <a:ln>
-                  <a:noFill/>
-                </a:ln>
-                <a:solidFill>
-                  <a:srgbClr val="000000"/>
-                </a:solidFill>
-                <a:effectLst/>
-                <a:uLnTx/>
-                <a:uFillTx/>
-                <a:latin typeface="Courier New" panose="02070309020205020404" pitchFamily="49" charset="0"/>
-                <a:ea typeface="+mn-ea"/>
-                <a:cs typeface="+mn-cs"/>
-              </a:rPr>
-              <a:t>var_three</a:t>
+              <a:t>                         var_three</a:t>
             </a:r>
             <a:r>
               <a:rPr kumimoji="0" lang="en-US" sz="1400" b="1" i="0" u="none" strike="noStrike" kern="1200" cap="none" spc="0" normalizeH="0" baseline="0" noProof="0" dirty="0">
@@ -18550,24 +18490,7 @@
                 <a:ea typeface="+mn-ea"/>
                 <a:cs typeface="+mn-cs"/>
               </a:rPr>
-              <a:t> </a:t>
-            </a:r>
-            <a:r>
-              <a:rPr kumimoji="0" lang="en-US" sz="1400" b="0" i="0" u="none" strike="noStrike" kern="1200" cap="none" spc="0" normalizeH="0" baseline="0" noProof="0" dirty="0" err="1">
-                <a:ln>
-                  <a:noFill/>
-                </a:ln>
-                <a:solidFill>
-                  <a:srgbClr val="000000"/>
-                </a:solidFill>
-                <a:effectLst/>
-                <a:uLnTx/>
-                <a:uFillTx/>
-                <a:latin typeface="Courier New" panose="02070309020205020404" pitchFamily="49" charset="0"/>
-                <a:ea typeface="+mn-ea"/>
-                <a:cs typeface="+mn-cs"/>
-              </a:rPr>
-              <a:t>var_four</a:t>
+              <a:t> var_four</a:t>
             </a:r>
             <a:r>
               <a:rPr kumimoji="0" lang="en-US" sz="1400" b="1" i="0" u="none" strike="noStrike" kern="1200" cap="none" spc="0" normalizeH="0" baseline="0" noProof="0" dirty="0">
@@ -18824,7 +18747,7 @@
               <a:t> </a:t>
             </a:r>
             <a:r>
-              <a:rPr kumimoji="0" lang="en-US" sz="1400" b="0" i="0" u="none" strike="noStrike" kern="1200" cap="none" spc="0" normalizeH="0" baseline="0" noProof="0" dirty="0" err="1">
+              <a:rPr kumimoji="0" lang="en-US" sz="1400" b="0" i="0" u="none" strike="noStrike" kern="1200" cap="none" spc="0" normalizeH="0" baseline="0" noProof="0" dirty="0">
                 <a:ln>
                   <a:noFill/>
                 </a:ln>
@@ -18908,24 +18831,7 @@
                 <a:ea typeface="+mn-ea"/>
                 <a:cs typeface="+mn-cs"/>
               </a:rPr>
-              <a:t>            </a:t>
-            </a:r>
-            <a:r>
-              <a:rPr kumimoji="0" lang="en-US" sz="1400" b="0" i="0" u="none" strike="noStrike" kern="1200" cap="none" spc="0" normalizeH="0" baseline="0" noProof="0" dirty="0" err="1">
-                <a:ln>
-                  <a:noFill/>
-                </a:ln>
-                <a:solidFill>
-                  <a:srgbClr val="000000"/>
-                </a:solidFill>
-                <a:effectLst/>
-                <a:uLnTx/>
-                <a:uFillTx/>
-                <a:latin typeface="Courier New" panose="02070309020205020404" pitchFamily="49" charset="0"/>
-                <a:ea typeface="+mn-ea"/>
-                <a:cs typeface="+mn-cs"/>
-              </a:rPr>
-              <a:t>var_one</a:t>
+              <a:t>            var_one</a:t>
             </a:r>
             <a:r>
               <a:rPr kumimoji="0" lang="en-US" sz="1400" b="1" i="0" u="none" strike="noStrike" kern="1200" cap="none" spc="0" normalizeH="0" baseline="0" noProof="0" dirty="0">
@@ -18959,24 +18865,7 @@
                 <a:ea typeface="+mn-ea"/>
                 <a:cs typeface="+mn-cs"/>
               </a:rPr>
-              <a:t> </a:t>
-            </a:r>
-            <a:r>
-              <a:rPr kumimoji="0" lang="en-US" sz="1400" b="0" i="0" u="none" strike="noStrike" kern="1200" cap="none" spc="0" normalizeH="0" baseline="0" noProof="0" dirty="0" err="1">
-                <a:ln>
-                  <a:noFill/>
-                </a:ln>
-                <a:solidFill>
-                  <a:srgbClr val="000000"/>
-                </a:solidFill>
-                <a:effectLst/>
-                <a:uLnTx/>
-                <a:uFillTx/>
-                <a:latin typeface="Courier New" panose="02070309020205020404" pitchFamily="49" charset="0"/>
-                <a:ea typeface="+mn-ea"/>
-                <a:cs typeface="+mn-cs"/>
-              </a:rPr>
-              <a:t>var_two</a:t>
+              <a:t> var_two</a:t>
             </a:r>
             <a:r>
               <a:rPr kumimoji="0" lang="en-US" sz="1400" b="1" i="0" u="none" strike="noStrike" kern="1200" cap="none" spc="0" normalizeH="0" baseline="0" noProof="0" dirty="0">
@@ -19010,24 +18899,7 @@
                 <a:ea typeface="+mn-ea"/>
                 <a:cs typeface="+mn-cs"/>
               </a:rPr>
-              <a:t> </a:t>
-            </a:r>
-            <a:r>
-              <a:rPr kumimoji="0" lang="en-US" sz="1400" b="0" i="0" u="none" strike="noStrike" kern="1200" cap="none" spc="0" normalizeH="0" baseline="0" noProof="0" dirty="0" err="1">
-                <a:ln>
-                  <a:noFill/>
-                </a:ln>
-                <a:solidFill>
-                  <a:srgbClr val="000000"/>
-                </a:solidFill>
-                <a:effectLst/>
-                <a:uLnTx/>
-                <a:uFillTx/>
-                <a:latin typeface="Courier New" panose="02070309020205020404" pitchFamily="49" charset="0"/>
-                <a:ea typeface="+mn-ea"/>
-                <a:cs typeface="+mn-cs"/>
-              </a:rPr>
-              <a:t>var_three</a:t>
+              <a:t> var_three</a:t>
             </a:r>
             <a:r>
               <a:rPr kumimoji="0" lang="en-US" sz="1400" b="1" i="0" u="none" strike="noStrike" kern="1200" cap="none" spc="0" normalizeH="0" baseline="0" noProof="0" dirty="0">
@@ -19097,24 +18969,7 @@
                 <a:ea typeface="+mn-ea"/>
                 <a:cs typeface="+mn-cs"/>
               </a:rPr>
-              <a:t>            </a:t>
-            </a:r>
-            <a:r>
-              <a:rPr kumimoji="0" lang="en-US" sz="1400" b="0" i="0" u="none" strike="noStrike" kern="1200" cap="none" spc="0" normalizeH="0" baseline="0" noProof="0" dirty="0" err="1">
-                <a:ln>
-                  <a:noFill/>
-                </a:ln>
-                <a:solidFill>
-                  <a:srgbClr val="000000"/>
-                </a:solidFill>
-                <a:effectLst/>
-                <a:uLnTx/>
-                <a:uFillTx/>
-                <a:latin typeface="Courier New" panose="02070309020205020404" pitchFamily="49" charset="0"/>
-                <a:ea typeface="+mn-ea"/>
-                <a:cs typeface="+mn-cs"/>
-              </a:rPr>
-              <a:t>var_four</a:t>
+              <a:t>            var_four</a:t>
             </a:r>
             <a:r>
               <a:rPr kumimoji="0" lang="en-US" sz="1400" b="1" i="0" u="none" strike="noStrike" kern="1200" cap="none" spc="0" normalizeH="0" baseline="0" noProof="0" dirty="0">
@@ -19221,7 +19076,7 @@
               <a:t>(</a:t>
             </a:r>
             <a:r>
-              <a:rPr kumimoji="0" lang="en-US" sz="1400" b="0" i="0" u="none" strike="noStrike" kern="1200" cap="none" spc="0" normalizeH="0" baseline="0" noProof="0" dirty="0" err="1">
+              <a:rPr kumimoji="0" lang="en-US" sz="1400" b="0" i="0" u="none" strike="noStrike" kern="1200" cap="none" spc="0" normalizeH="0" baseline="0" noProof="0" dirty="0">
                 <a:ln>
                   <a:noFill/>
                 </a:ln>
@@ -20677,24 +20532,7 @@
                 <a:ea typeface="+mn-ea"/>
                 <a:cs typeface="+mn-cs"/>
               </a:rPr>
-              <a:t> </a:t>
-            </a:r>
-            <a:r>
-              <a:rPr kumimoji="0" lang="en-US" sz="1400" b="0" i="0" u="none" strike="noStrike" kern="1200" cap="none" spc="0" normalizeH="0" baseline="0" noProof="0" dirty="0" err="1">
-                <a:ln>
-                  <a:noFill/>
-                </a:ln>
-                <a:solidFill>
-                  <a:srgbClr val="000000"/>
-                </a:solidFill>
-                <a:effectLst/>
-                <a:uLnTx/>
-                <a:uFillTx/>
-                <a:latin typeface="Courier New" panose="02070309020205020404" pitchFamily="49" charset="0"/>
-                <a:ea typeface="+mn-ea"/>
-                <a:cs typeface="+mn-cs"/>
-              </a:rPr>
-              <a:t>long_function_name</a:t>
+              <a:t> long_function_name</a:t>
             </a:r>
             <a:r>
               <a:rPr kumimoji="0" lang="en-US" sz="1400" b="1" i="0" u="none" strike="noStrike" kern="1200" cap="none" spc="0" normalizeH="0" baseline="0" noProof="0" dirty="0">
@@ -20714,7 +20552,7 @@
               <a:t>(</a:t>
             </a:r>
             <a:r>
-              <a:rPr kumimoji="0" lang="en-US" sz="1400" b="0" i="0" u="none" strike="noStrike" kern="1200" cap="none" spc="0" normalizeH="0" baseline="0" noProof="0" dirty="0" err="1">
+              <a:rPr kumimoji="0" lang="en-US" sz="1400" b="0" i="0" u="none" strike="noStrike" kern="1200" cap="none" spc="0" normalizeH="0" baseline="0" noProof="0" dirty="0">
                 <a:ln>
                   <a:noFill/>
                 </a:ln>
@@ -20762,24 +20600,7 @@
                 <a:ea typeface="+mn-ea"/>
                 <a:cs typeface="+mn-cs"/>
               </a:rPr>
-              <a:t> </a:t>
-            </a:r>
-            <a:r>
-              <a:rPr kumimoji="0" lang="en-US" sz="1400" b="0" i="0" u="none" strike="noStrike" kern="1200" cap="none" spc="0" normalizeH="0" baseline="0" noProof="0" dirty="0" err="1">
-                <a:ln>
-                  <a:noFill/>
-                </a:ln>
-                <a:solidFill>
-                  <a:srgbClr val="000000"/>
-                </a:solidFill>
-                <a:effectLst/>
-                <a:uLnTx/>
-                <a:uFillTx/>
-                <a:latin typeface="Courier New" panose="02070309020205020404" pitchFamily="49" charset="0"/>
-                <a:ea typeface="+mn-ea"/>
-                <a:cs typeface="+mn-cs"/>
-              </a:rPr>
-              <a:t>var_two</a:t>
+              <a:t> var_two</a:t>
             </a:r>
             <a:r>
               <a:rPr kumimoji="0" lang="en-US" sz="1400" b="1" i="0" u="none" strike="noStrike" kern="1200" cap="none" spc="0" normalizeH="0" baseline="0" noProof="0" dirty="0">
@@ -20849,24 +20670,7 @@
                 <a:ea typeface="+mn-ea"/>
                 <a:cs typeface="+mn-cs"/>
               </a:rPr>
-              <a:t>      </a:t>
-            </a:r>
-            <a:r>
-              <a:rPr kumimoji="0" lang="en-US" sz="1400" b="0" i="0" u="none" strike="noStrike" kern="1200" cap="none" spc="0" normalizeH="0" baseline="0" noProof="0" dirty="0" err="1">
-                <a:ln>
-                  <a:noFill/>
-                </a:ln>
-                <a:solidFill>
-                  <a:srgbClr val="000000"/>
-                </a:solidFill>
-                <a:effectLst/>
-                <a:uLnTx/>
-                <a:uFillTx/>
-                <a:latin typeface="Courier New" panose="02070309020205020404" pitchFamily="49" charset="0"/>
-                <a:ea typeface="+mn-ea"/>
-                <a:cs typeface="+mn-cs"/>
-              </a:rPr>
-              <a:t>var_three</a:t>
+              <a:t>      var_three</a:t>
             </a:r>
             <a:r>
               <a:rPr kumimoji="0" lang="en-US" sz="1400" b="1" i="0" u="none" strike="noStrike" kern="1200" cap="none" spc="0" normalizeH="0" baseline="0" noProof="0" dirty="0">
@@ -20900,24 +20704,7 @@
                 <a:ea typeface="+mn-ea"/>
                 <a:cs typeface="+mn-cs"/>
               </a:rPr>
-              <a:t> </a:t>
-            </a:r>
-            <a:r>
-              <a:rPr kumimoji="0" lang="en-US" sz="1400" b="0" i="0" u="none" strike="noStrike" kern="1200" cap="none" spc="0" normalizeH="0" baseline="0" noProof="0" dirty="0" err="1">
-                <a:ln>
-                  <a:noFill/>
-                </a:ln>
-                <a:solidFill>
-                  <a:srgbClr val="000000"/>
-                </a:solidFill>
-                <a:effectLst/>
-                <a:uLnTx/>
-                <a:uFillTx/>
-                <a:latin typeface="Courier New" panose="02070309020205020404" pitchFamily="49" charset="0"/>
-                <a:ea typeface="+mn-ea"/>
-                <a:cs typeface="+mn-cs"/>
-              </a:rPr>
-              <a:t>var_four</a:t>
+              <a:t> var_four</a:t>
             </a:r>
             <a:r>
               <a:rPr kumimoji="0" lang="en-US" sz="1400" b="1" i="0" u="none" strike="noStrike" kern="1200" cap="none" spc="0" normalizeH="0" baseline="0" noProof="0" dirty="0">
@@ -21157,7 +20944,7 @@
               <a:t> </a:t>
             </a:r>
             <a:r>
-              <a:rPr kumimoji="0" lang="en-US" sz="1400" b="0" i="0" u="none" strike="noStrike" kern="1200" cap="none" spc="0" normalizeH="0" baseline="0" noProof="0" dirty="0" err="1">
+              <a:rPr kumimoji="0" lang="en-US" sz="1400" b="0" i="0" u="none" strike="noStrike" kern="1200" cap="none" spc="0" normalizeH="0" baseline="0" noProof="0" dirty="0">
                 <a:ln>
                   <a:noFill/>
                 </a:ln>
@@ -21241,24 +21028,7 @@
                 <a:ea typeface="+mn-ea"/>
                 <a:cs typeface="+mn-cs"/>
               </a:rPr>
-              <a:t>      </a:t>
-            </a:r>
-            <a:r>
-              <a:rPr kumimoji="0" lang="en-US" sz="1400" b="0" i="0" u="none" strike="noStrike" kern="1200" cap="none" spc="0" normalizeH="0" baseline="0" noProof="0" dirty="0" err="1">
-                <a:ln>
-                  <a:noFill/>
-                </a:ln>
-                <a:solidFill>
-                  <a:srgbClr val="000000"/>
-                </a:solidFill>
-                <a:effectLst/>
-                <a:uLnTx/>
-                <a:uFillTx/>
-                <a:latin typeface="Courier New" panose="02070309020205020404" pitchFamily="49" charset="0"/>
-                <a:ea typeface="+mn-ea"/>
-                <a:cs typeface="+mn-cs"/>
-              </a:rPr>
-              <a:t>var_one</a:t>
+              <a:t>      var_one</a:t>
             </a:r>
             <a:r>
               <a:rPr kumimoji="0" lang="en-US" sz="1400" b="1" i="0" u="none" strike="noStrike" kern="1200" cap="none" spc="0" normalizeH="0" baseline="0" noProof="0" dirty="0">
@@ -21292,24 +21062,7 @@
                 <a:ea typeface="+mn-ea"/>
                 <a:cs typeface="+mn-cs"/>
               </a:rPr>
-              <a:t> </a:t>
-            </a:r>
-            <a:r>
-              <a:rPr kumimoji="0" lang="en-US" sz="1400" b="0" i="0" u="none" strike="noStrike" kern="1200" cap="none" spc="0" normalizeH="0" baseline="0" noProof="0" dirty="0" err="1">
-                <a:ln>
-                  <a:noFill/>
-                </a:ln>
-                <a:solidFill>
-                  <a:srgbClr val="000000"/>
-                </a:solidFill>
-                <a:effectLst/>
-                <a:uLnTx/>
-                <a:uFillTx/>
-                <a:latin typeface="Courier New" panose="02070309020205020404" pitchFamily="49" charset="0"/>
-                <a:ea typeface="+mn-ea"/>
-                <a:cs typeface="+mn-cs"/>
-              </a:rPr>
-              <a:t>var_two</a:t>
+              <a:t> var_two</a:t>
             </a:r>
             <a:r>
               <a:rPr kumimoji="0" lang="en-US" sz="1400" b="1" i="0" u="none" strike="noStrike" kern="1200" cap="none" spc="0" normalizeH="0" baseline="0" noProof="0" dirty="0">
@@ -21343,24 +21096,7 @@
                 <a:ea typeface="+mn-ea"/>
                 <a:cs typeface="+mn-cs"/>
               </a:rPr>
-              <a:t> </a:t>
-            </a:r>
-            <a:r>
-              <a:rPr kumimoji="0" lang="en-US" sz="1400" b="0" i="0" u="none" strike="noStrike" kern="1200" cap="none" spc="0" normalizeH="0" baseline="0" noProof="0" dirty="0" err="1">
-                <a:ln>
-                  <a:noFill/>
-                </a:ln>
-                <a:solidFill>
-                  <a:srgbClr val="000000"/>
-                </a:solidFill>
-                <a:effectLst/>
-                <a:uLnTx/>
-                <a:uFillTx/>
-                <a:latin typeface="Courier New" panose="02070309020205020404" pitchFamily="49" charset="0"/>
-                <a:ea typeface="+mn-ea"/>
-                <a:cs typeface="+mn-cs"/>
-              </a:rPr>
-              <a:t>var_three</a:t>
+              <a:t> var_three</a:t>
             </a:r>
             <a:r>
               <a:rPr kumimoji="0" lang="en-US" sz="1400" b="1" i="0" u="none" strike="noStrike" kern="1200" cap="none" spc="0" normalizeH="0" baseline="0" noProof="0" dirty="0">
@@ -21430,24 +21166,7 @@
                 <a:ea typeface="+mn-ea"/>
                 <a:cs typeface="+mn-cs"/>
               </a:rPr>
-              <a:t>      </a:t>
-            </a:r>
-            <a:r>
-              <a:rPr kumimoji="0" lang="en-US" sz="1400" b="0" i="0" u="none" strike="noStrike" kern="1200" cap="none" spc="0" normalizeH="0" baseline="0" noProof="0" dirty="0" err="1">
-                <a:ln>
-                  <a:noFill/>
-                </a:ln>
-                <a:solidFill>
-                  <a:srgbClr val="000000"/>
-                </a:solidFill>
-                <a:effectLst/>
-                <a:uLnTx/>
-                <a:uFillTx/>
-                <a:latin typeface="Courier New" panose="02070309020205020404" pitchFamily="49" charset="0"/>
-                <a:ea typeface="+mn-ea"/>
-                <a:cs typeface="+mn-cs"/>
-              </a:rPr>
-              <a:t>var_four</a:t>
+              <a:t>      var_four</a:t>
             </a:r>
             <a:r>
               <a:rPr kumimoji="0" lang="en-US" sz="1400" b="1" i="0" u="none" strike="noStrike" kern="1200" cap="none" spc="0" normalizeH="0" baseline="0" noProof="0" dirty="0">
@@ -21554,7 +21273,7 @@
               <a:t>(</a:t>
             </a:r>
             <a:r>
-              <a:rPr kumimoji="0" lang="en-US" sz="1400" b="0" i="0" u="none" strike="noStrike" kern="1200" cap="none" spc="0" normalizeH="0" baseline="0" noProof="0" dirty="0" err="1">
+              <a:rPr kumimoji="0" lang="en-US" sz="1400" b="0" i="0" u="none" strike="noStrike" kern="1200" cap="none" spc="0" normalizeH="0" baseline="0" noProof="0" dirty="0">
                 <a:ln>
                   <a:noFill/>
                 </a:ln>
@@ -22247,41 +21966,7 @@
                 <a:ea typeface="+mn-ea"/>
                 <a:cs typeface="+mn-cs"/>
               </a:rPr>
-              <a:t># первым </a:t>
-            </a:r>
-            <a:r>
-              <a:rPr kumimoji="0" lang="ru-RU" sz="1400" b="0" i="0" u="none" strike="noStrike" kern="1200" cap="none" spc="0" normalizeH="0" baseline="0" noProof="0" dirty="0" err="1">
-                <a:ln>
-                  <a:noFill/>
-                </a:ln>
-                <a:solidFill>
-                  <a:srgbClr val="008000"/>
-                </a:solidFill>
-                <a:effectLst/>
-                <a:uLnTx/>
-                <a:uFillTx/>
-                <a:latin typeface="Courier New" panose="02070309020205020404" pitchFamily="49" charset="0"/>
-                <a:ea typeface="+mn-ea"/>
-                <a:cs typeface="+mn-cs"/>
-              </a:rPr>
-              <a:t>непробельным</a:t>
-            </a:r>
-            <a:r>
-              <a:rPr kumimoji="0" lang="ru-RU" sz="1400" b="0" i="0" u="none" strike="noStrike" kern="1200" cap="none" spc="0" normalizeH="0" baseline="0" noProof="0" dirty="0">
-                <a:ln>
-                  <a:noFill/>
-                </a:ln>
-                <a:solidFill>
-                  <a:srgbClr val="008000"/>
-                </a:solidFill>
-                <a:effectLst/>
-                <a:uLnTx/>
-                <a:uFillTx/>
-                <a:latin typeface="Courier New" panose="02070309020205020404" pitchFamily="49" charset="0"/>
-                <a:ea typeface="+mn-ea"/>
-                <a:cs typeface="+mn-cs"/>
-              </a:rPr>
-              <a:t> символом последней строки списка,</a:t>
+              <a:t># первым непробельным символом последней строки списка,</a:t>
             </a:r>
             <a:endParaRPr kumimoji="0" lang="en-US" sz="1400" b="0" i="0" u="none" strike="noStrike" kern="1200" cap="none" spc="0" normalizeH="0" baseline="0" noProof="0" dirty="0">
               <a:ln>
@@ -22317,23 +22002,6 @@
               <a:defRPr/>
             </a:pPr>
             <a:r>
-              <a:rPr kumimoji="0" lang="en-US" sz="1400" b="0" i="0" u="none" strike="noStrike" kern="1200" cap="none" spc="0" normalizeH="0" baseline="0" noProof="0" dirty="0" err="1">
-                <a:ln>
-                  <a:noFill/>
-                </a:ln>
-                <a:solidFill>
-                  <a:srgbClr val="000000"/>
-                </a:solidFill>
-                <a:effectLst/>
-                <a:uLnTx/>
-                <a:uFillTx/>
-                <a:latin typeface="Courier New" panose="02070309020205020404" pitchFamily="49" charset="0"/>
-                <a:ea typeface="+mn-ea"/>
-                <a:cs typeface="+mn-cs"/>
-              </a:rPr>
-              <a:t>my_list</a:t>
-            </a:r>
-            <a:r>
               <a:rPr kumimoji="0" lang="en-US" sz="1400" b="0" i="0" u="none" strike="noStrike" kern="1200" cap="none" spc="0" normalizeH="0" baseline="0" noProof="0" dirty="0">
                 <a:ln>
                   <a:noFill/>
@@ -22348,7 +22016,7 @@
                 <a:ea typeface="+mn-ea"/>
                 <a:cs typeface="+mn-cs"/>
               </a:rPr>
-              <a:t> </a:t>
+              <a:t>my_list </a:t>
             </a:r>
             <a:r>
               <a:rPr kumimoji="0" lang="en-US" sz="1400" b="1" i="0" u="none" strike="noStrike" kern="1200" cap="none" spc="0" normalizeH="0" baseline="0" noProof="0" dirty="0">
@@ -22934,24 +22602,7 @@
                 <a:ea typeface="+mn-ea"/>
                 <a:cs typeface="+mn-cs"/>
               </a:rPr>
-              <a:t> </a:t>
-            </a:r>
-            <a:r>
-              <a:rPr kumimoji="0" lang="en-US" sz="1400" b="0" i="0" u="none" strike="noStrike" kern="1200" cap="none" spc="0" normalizeH="0" baseline="0" noProof="0" dirty="0" err="1">
-                <a:ln>
-                  <a:noFill/>
-                </a:ln>
-                <a:solidFill>
-                  <a:srgbClr val="000000"/>
-                </a:solidFill>
-                <a:effectLst/>
-                <a:uLnTx/>
-                <a:uFillTx/>
-                <a:latin typeface="Courier New" panose="02070309020205020404" pitchFamily="49" charset="0"/>
-                <a:ea typeface="+mn-ea"/>
-                <a:cs typeface="+mn-cs"/>
-              </a:rPr>
-              <a:t>some_function_that_takes_arguments</a:t>
+              <a:t> some_function_that_takes_arguments</a:t>
             </a:r>
             <a:r>
               <a:rPr kumimoji="0" lang="en-US" sz="1400" b="1" i="0" u="none" strike="noStrike" kern="1200" cap="none" spc="0" normalizeH="0" baseline="0" noProof="0" dirty="0">
@@ -23622,23 +23273,6 @@
               <a:defRPr/>
             </a:pPr>
             <a:r>
-              <a:rPr kumimoji="0" lang="en-US" sz="1400" b="0" i="0" u="none" strike="noStrike" kern="1200" cap="none" spc="0" normalizeH="0" baseline="0" noProof="0" dirty="0" err="1">
-                <a:ln>
-                  <a:noFill/>
-                </a:ln>
-                <a:solidFill>
-                  <a:srgbClr val="000000"/>
-                </a:solidFill>
-                <a:effectLst/>
-                <a:uLnTx/>
-                <a:uFillTx/>
-                <a:latin typeface="Courier New" panose="02070309020205020404" pitchFamily="49" charset="0"/>
-                <a:ea typeface="+mn-ea"/>
-                <a:cs typeface="+mn-cs"/>
-              </a:rPr>
-              <a:t>my_list</a:t>
-            </a:r>
-            <a:r>
               <a:rPr kumimoji="0" lang="en-US" sz="1400" b="0" i="0" u="none" strike="noStrike" kern="1200" cap="none" spc="0" normalizeH="0" baseline="0" noProof="0" dirty="0">
                 <a:ln>
                   <a:noFill/>
@@ -23653,7 +23287,7 @@
                 <a:ea typeface="+mn-ea"/>
                 <a:cs typeface="+mn-cs"/>
               </a:rPr>
-              <a:t> </a:t>
+              <a:t>my_list </a:t>
             </a:r>
             <a:r>
               <a:rPr kumimoji="0" lang="en-US" sz="1400" b="1" i="0" u="none" strike="noStrike" kern="1200" cap="none" spc="0" normalizeH="0" baseline="0" noProof="0" dirty="0">
@@ -24222,24 +23856,7 @@
                 <a:ea typeface="+mn-ea"/>
                 <a:cs typeface="+mn-cs"/>
               </a:rPr>
-              <a:t> </a:t>
-            </a:r>
-            <a:r>
-              <a:rPr kumimoji="0" lang="en-US" sz="1400" b="0" i="0" u="none" strike="noStrike" kern="1200" cap="none" spc="0" normalizeH="0" baseline="0" noProof="0" dirty="0" err="1">
-                <a:ln>
-                  <a:noFill/>
-                </a:ln>
-                <a:solidFill>
-                  <a:srgbClr val="000000"/>
-                </a:solidFill>
-                <a:effectLst/>
-                <a:uLnTx/>
-                <a:uFillTx/>
-                <a:latin typeface="Courier New" panose="02070309020205020404" pitchFamily="49" charset="0"/>
-                <a:ea typeface="+mn-ea"/>
-                <a:cs typeface="+mn-cs"/>
-              </a:rPr>
-              <a:t>some_function_that_takes_arguments</a:t>
+              <a:t> some_function_that_takes_arguments</a:t>
             </a:r>
             <a:r>
               <a:rPr kumimoji="0" lang="en-US" sz="1400" b="1" i="0" u="none" strike="noStrike" kern="1200" cap="none" spc="0" normalizeH="0" baseline="0" noProof="0" dirty="0">
@@ -25485,41 +25102,7 @@
                 <a:ea typeface="+mn-ea"/>
                 <a:cs typeface="+mn-cs"/>
               </a:rPr>
-              <a:t># Например, длинная конструкция </a:t>
-            </a:r>
-            <a:r>
-              <a:rPr kumimoji="0" lang="ru-RU" sz="1400" b="0" i="0" u="none" strike="noStrike" kern="1200" cap="none" spc="0" normalizeH="0" baseline="0" noProof="0" dirty="0" err="1">
-                <a:ln>
-                  <a:noFill/>
-                </a:ln>
-                <a:solidFill>
-                  <a:srgbClr val="008000"/>
-                </a:solidFill>
-                <a:effectLst/>
-                <a:uLnTx/>
-                <a:uFillTx/>
-                <a:latin typeface="Courier New" panose="02070309020205020404" pitchFamily="49" charset="0"/>
-                <a:ea typeface="+mn-ea"/>
-                <a:cs typeface="+mn-cs"/>
-              </a:rPr>
-              <a:t>with</a:t>
-            </a:r>
-            <a:r>
-              <a:rPr kumimoji="0" lang="ru-RU" sz="1400" b="0" i="0" u="none" strike="noStrike" kern="1200" cap="none" spc="0" normalizeH="0" baseline="0" noProof="0" dirty="0">
-                <a:ln>
-                  <a:noFill/>
-                </a:ln>
-                <a:solidFill>
-                  <a:srgbClr val="008000"/>
-                </a:solidFill>
-                <a:effectLst/>
-                <a:uLnTx/>
-                <a:uFillTx/>
-                <a:latin typeface="Courier New" panose="02070309020205020404" pitchFamily="49" charset="0"/>
-                <a:ea typeface="+mn-ea"/>
-                <a:cs typeface="+mn-cs"/>
-              </a:rPr>
-              <a:t> не может использовать неявные </a:t>
+              <a:t># Например, длинная конструкция with не может использовать неявные </a:t>
             </a:r>
             <a:endParaRPr kumimoji="0" lang="en-US" sz="1400" b="0" i="0" u="none" strike="noStrike" kern="1200" cap="none" spc="0" normalizeH="0" baseline="0" noProof="0" dirty="0">
               <a:ln>
@@ -25622,7 +25205,7 @@
               <a:defRPr/>
             </a:pPr>
             <a:r>
-              <a:rPr kumimoji="0" lang="ru-RU" sz="1400" b="1" i="0" u="none" strike="noStrike" kern="1200" cap="none" spc="0" normalizeH="0" baseline="0" noProof="0" dirty="0" err="1">
+              <a:rPr kumimoji="0" lang="ru-RU" sz="1400" b="1" i="0" u="none" strike="noStrike" kern="1200" cap="none" spc="0" normalizeH="0" baseline="0" noProof="0" dirty="0">
                 <a:ln>
                   <a:noFill/>
                 </a:ln>
@@ -25653,24 +25236,7 @@
                 <a:ea typeface="+mn-ea"/>
                 <a:cs typeface="+mn-cs"/>
               </a:rPr>
-              <a:t> </a:t>
-            </a:r>
-            <a:r>
-              <a:rPr kumimoji="0" lang="ru-RU" sz="1400" b="0" i="0" u="none" strike="noStrike" kern="1200" cap="none" spc="0" normalizeH="0" baseline="0" noProof="0" dirty="0" err="1">
-                <a:ln>
-                  <a:noFill/>
-                </a:ln>
-                <a:solidFill>
-                  <a:srgbClr val="000000"/>
-                </a:solidFill>
-                <a:effectLst/>
-                <a:uLnTx/>
-                <a:uFillTx/>
-                <a:latin typeface="Courier New" panose="02070309020205020404" pitchFamily="49" charset="0"/>
-                <a:ea typeface="+mn-ea"/>
-                <a:cs typeface="+mn-cs"/>
-              </a:rPr>
-              <a:t>open</a:t>
+              <a:t> open</a:t>
             </a:r>
             <a:r>
               <a:rPr kumimoji="0" lang="ru-RU" sz="1400" b="1" i="0" u="none" strike="noStrike" kern="1200" cap="none" spc="0" normalizeH="0" baseline="0" noProof="0" dirty="0">
@@ -25704,15 +25270,15 @@
                 <a:ea typeface="+mn-ea"/>
                 <a:cs typeface="+mn-cs"/>
               </a:rPr>
-              <a:t>'/</a:t>
-            </a:r>
-            <a:r>
-              <a:rPr kumimoji="0" lang="ru-RU" sz="1400" b="0" i="0" u="none" strike="noStrike" kern="1200" cap="none" spc="0" normalizeH="0" baseline="0" noProof="0" dirty="0" err="1">
+              <a:t>'/path/to/some/file/you/want/to/read'</a:t>
+            </a:r>
+            <a:r>
+              <a:rPr kumimoji="0" lang="ru-RU" sz="1400" b="1" i="0" u="none" strike="noStrike" kern="1200" cap="none" spc="0" normalizeH="0" baseline="0" noProof="0" dirty="0">
                 <a:ln>
                   <a:noFill/>
                 </a:ln>
                 <a:solidFill>
-                  <a:srgbClr val="808080"/>
+                  <a:srgbClr val="000080"/>
                 </a:solidFill>
                 <a:effectLst/>
                 <a:uLnTx/>
@@ -25721,7 +25287,7 @@
                 <a:ea typeface="+mn-ea"/>
                 <a:cs typeface="+mn-cs"/>
               </a:rPr>
-              <a:t>path</a:t>
+              <a:t>)</a:t>
             </a:r>
             <a:r>
               <a:rPr kumimoji="0" lang="ru-RU" sz="1400" b="0" i="0" u="none" strike="noStrike" kern="1200" cap="none" spc="0" normalizeH="0" baseline="0" noProof="0" dirty="0">
@@ -25729,7 +25295,7 @@
                   <a:noFill/>
                 </a:ln>
                 <a:solidFill>
-                  <a:srgbClr val="808080"/>
+                  <a:srgbClr val="000000"/>
                 </a:solidFill>
                 <a:effectLst/>
                 <a:uLnTx/>
@@ -25738,282 +25304,10 @@
                 <a:ea typeface="+mn-ea"/>
                 <a:cs typeface="+mn-cs"/>
               </a:rPr>
-              <a:t>/</a:t>
-            </a:r>
-            <a:r>
-              <a:rPr kumimoji="0" lang="ru-RU" sz="1400" b="0" i="0" u="none" strike="noStrike" kern="1200" cap="none" spc="0" normalizeH="0" baseline="0" noProof="0" dirty="0" err="1">
-                <a:ln>
-                  <a:noFill/>
-                </a:ln>
-                <a:solidFill>
-                  <a:srgbClr val="808080"/>
-                </a:solidFill>
-                <a:effectLst/>
-                <a:uLnTx/>
-                <a:uFillTx/>
-                <a:latin typeface="Courier New" panose="02070309020205020404" pitchFamily="49" charset="0"/>
-                <a:ea typeface="+mn-ea"/>
-                <a:cs typeface="+mn-cs"/>
-              </a:rPr>
-              <a:t>to</a:t>
-            </a:r>
-            <a:r>
-              <a:rPr kumimoji="0" lang="ru-RU" sz="1400" b="0" i="0" u="none" strike="noStrike" kern="1200" cap="none" spc="0" normalizeH="0" baseline="0" noProof="0" dirty="0">
-                <a:ln>
-                  <a:noFill/>
-                </a:ln>
-                <a:solidFill>
-                  <a:srgbClr val="808080"/>
-                </a:solidFill>
-                <a:effectLst/>
-                <a:uLnTx/>
-                <a:uFillTx/>
-                <a:latin typeface="Courier New" panose="02070309020205020404" pitchFamily="49" charset="0"/>
-                <a:ea typeface="+mn-ea"/>
-                <a:cs typeface="+mn-cs"/>
-              </a:rPr>
-              <a:t>/</a:t>
-            </a:r>
-            <a:r>
-              <a:rPr kumimoji="0" lang="ru-RU" sz="1400" b="0" i="0" u="none" strike="noStrike" kern="1200" cap="none" spc="0" normalizeH="0" baseline="0" noProof="0" dirty="0" err="1">
-                <a:ln>
-                  <a:noFill/>
-                </a:ln>
-                <a:solidFill>
-                  <a:srgbClr val="808080"/>
-                </a:solidFill>
-                <a:effectLst/>
-                <a:uLnTx/>
-                <a:uFillTx/>
-                <a:latin typeface="Courier New" panose="02070309020205020404" pitchFamily="49" charset="0"/>
-                <a:ea typeface="+mn-ea"/>
-                <a:cs typeface="+mn-cs"/>
-              </a:rPr>
-              <a:t>some</a:t>
-            </a:r>
-            <a:r>
-              <a:rPr kumimoji="0" lang="ru-RU" sz="1400" b="0" i="0" u="none" strike="noStrike" kern="1200" cap="none" spc="0" normalizeH="0" baseline="0" noProof="0" dirty="0">
-                <a:ln>
-                  <a:noFill/>
-                </a:ln>
-                <a:solidFill>
-                  <a:srgbClr val="808080"/>
-                </a:solidFill>
-                <a:effectLst/>
-                <a:uLnTx/>
-                <a:uFillTx/>
-                <a:latin typeface="Courier New" panose="02070309020205020404" pitchFamily="49" charset="0"/>
-                <a:ea typeface="+mn-ea"/>
-                <a:cs typeface="+mn-cs"/>
-              </a:rPr>
-              <a:t>/</a:t>
-            </a:r>
-            <a:r>
-              <a:rPr kumimoji="0" lang="ru-RU" sz="1400" b="0" i="0" u="none" strike="noStrike" kern="1200" cap="none" spc="0" normalizeH="0" baseline="0" noProof="0" dirty="0" err="1">
-                <a:ln>
-                  <a:noFill/>
-                </a:ln>
-                <a:solidFill>
-                  <a:srgbClr val="808080"/>
-                </a:solidFill>
-                <a:effectLst/>
-                <a:uLnTx/>
-                <a:uFillTx/>
-                <a:latin typeface="Courier New" panose="02070309020205020404" pitchFamily="49" charset="0"/>
-                <a:ea typeface="+mn-ea"/>
-                <a:cs typeface="+mn-cs"/>
-              </a:rPr>
-              <a:t>file</a:t>
-            </a:r>
-            <a:r>
-              <a:rPr kumimoji="0" lang="ru-RU" sz="1400" b="0" i="0" u="none" strike="noStrike" kern="1200" cap="none" spc="0" normalizeH="0" baseline="0" noProof="0" dirty="0">
-                <a:ln>
-                  <a:noFill/>
-                </a:ln>
-                <a:solidFill>
-                  <a:srgbClr val="808080"/>
-                </a:solidFill>
-                <a:effectLst/>
-                <a:uLnTx/>
-                <a:uFillTx/>
-                <a:latin typeface="Courier New" panose="02070309020205020404" pitchFamily="49" charset="0"/>
-                <a:ea typeface="+mn-ea"/>
-                <a:cs typeface="+mn-cs"/>
-              </a:rPr>
-              <a:t>/</a:t>
-            </a:r>
-            <a:r>
-              <a:rPr kumimoji="0" lang="ru-RU" sz="1400" b="0" i="0" u="none" strike="noStrike" kern="1200" cap="none" spc="0" normalizeH="0" baseline="0" noProof="0" dirty="0" err="1">
-                <a:ln>
-                  <a:noFill/>
-                </a:ln>
-                <a:solidFill>
-                  <a:srgbClr val="808080"/>
-                </a:solidFill>
-                <a:effectLst/>
-                <a:uLnTx/>
-                <a:uFillTx/>
-                <a:latin typeface="Courier New" panose="02070309020205020404" pitchFamily="49" charset="0"/>
-                <a:ea typeface="+mn-ea"/>
-                <a:cs typeface="+mn-cs"/>
-              </a:rPr>
-              <a:t>you</a:t>
-            </a:r>
-            <a:r>
-              <a:rPr kumimoji="0" lang="ru-RU" sz="1400" b="0" i="0" u="none" strike="noStrike" kern="1200" cap="none" spc="0" normalizeH="0" baseline="0" noProof="0" dirty="0">
-                <a:ln>
-                  <a:noFill/>
-                </a:ln>
-                <a:solidFill>
-                  <a:srgbClr val="808080"/>
-                </a:solidFill>
-                <a:effectLst/>
-                <a:uLnTx/>
-                <a:uFillTx/>
-                <a:latin typeface="Courier New" panose="02070309020205020404" pitchFamily="49" charset="0"/>
-                <a:ea typeface="+mn-ea"/>
-                <a:cs typeface="+mn-cs"/>
-              </a:rPr>
-              <a:t>/</a:t>
-            </a:r>
-            <a:r>
-              <a:rPr kumimoji="0" lang="ru-RU" sz="1400" b="0" i="0" u="none" strike="noStrike" kern="1200" cap="none" spc="0" normalizeH="0" baseline="0" noProof="0" dirty="0" err="1">
-                <a:ln>
-                  <a:noFill/>
-                </a:ln>
-                <a:solidFill>
-                  <a:srgbClr val="808080"/>
-                </a:solidFill>
-                <a:effectLst/>
-                <a:uLnTx/>
-                <a:uFillTx/>
-                <a:latin typeface="Courier New" panose="02070309020205020404" pitchFamily="49" charset="0"/>
-                <a:ea typeface="+mn-ea"/>
-                <a:cs typeface="+mn-cs"/>
-              </a:rPr>
-              <a:t>want</a:t>
-            </a:r>
-            <a:r>
-              <a:rPr kumimoji="0" lang="ru-RU" sz="1400" b="0" i="0" u="none" strike="noStrike" kern="1200" cap="none" spc="0" normalizeH="0" baseline="0" noProof="0" dirty="0">
-                <a:ln>
-                  <a:noFill/>
-                </a:ln>
-                <a:solidFill>
-                  <a:srgbClr val="808080"/>
-                </a:solidFill>
-                <a:effectLst/>
-                <a:uLnTx/>
-                <a:uFillTx/>
-                <a:latin typeface="Courier New" panose="02070309020205020404" pitchFamily="49" charset="0"/>
-                <a:ea typeface="+mn-ea"/>
-                <a:cs typeface="+mn-cs"/>
-              </a:rPr>
-              <a:t>/</a:t>
-            </a:r>
-            <a:r>
-              <a:rPr kumimoji="0" lang="ru-RU" sz="1400" b="0" i="0" u="none" strike="noStrike" kern="1200" cap="none" spc="0" normalizeH="0" baseline="0" noProof="0" dirty="0" err="1">
-                <a:ln>
-                  <a:noFill/>
-                </a:ln>
-                <a:solidFill>
-                  <a:srgbClr val="808080"/>
-                </a:solidFill>
-                <a:effectLst/>
-                <a:uLnTx/>
-                <a:uFillTx/>
-                <a:latin typeface="Courier New" panose="02070309020205020404" pitchFamily="49" charset="0"/>
-                <a:ea typeface="+mn-ea"/>
-                <a:cs typeface="+mn-cs"/>
-              </a:rPr>
-              <a:t>to</a:t>
-            </a:r>
-            <a:r>
-              <a:rPr kumimoji="0" lang="ru-RU" sz="1400" b="0" i="0" u="none" strike="noStrike" kern="1200" cap="none" spc="0" normalizeH="0" baseline="0" noProof="0" dirty="0">
-                <a:ln>
-                  <a:noFill/>
-                </a:ln>
-                <a:solidFill>
-                  <a:srgbClr val="808080"/>
-                </a:solidFill>
-                <a:effectLst/>
-                <a:uLnTx/>
-                <a:uFillTx/>
-                <a:latin typeface="Courier New" panose="02070309020205020404" pitchFamily="49" charset="0"/>
-                <a:ea typeface="+mn-ea"/>
-                <a:cs typeface="+mn-cs"/>
-              </a:rPr>
-              <a:t>/</a:t>
-            </a:r>
-            <a:r>
-              <a:rPr kumimoji="0" lang="ru-RU" sz="1400" b="0" i="0" u="none" strike="noStrike" kern="1200" cap="none" spc="0" normalizeH="0" baseline="0" noProof="0" dirty="0" err="1">
-                <a:ln>
-                  <a:noFill/>
-                </a:ln>
-                <a:solidFill>
-                  <a:srgbClr val="808080"/>
-                </a:solidFill>
-                <a:effectLst/>
-                <a:uLnTx/>
-                <a:uFillTx/>
-                <a:latin typeface="Courier New" panose="02070309020205020404" pitchFamily="49" charset="0"/>
-                <a:ea typeface="+mn-ea"/>
-                <a:cs typeface="+mn-cs"/>
-              </a:rPr>
-              <a:t>read</a:t>
-            </a:r>
-            <a:r>
-              <a:rPr kumimoji="0" lang="ru-RU" sz="1400" b="0" i="0" u="none" strike="noStrike" kern="1200" cap="none" spc="0" normalizeH="0" baseline="0" noProof="0" dirty="0">
-                <a:ln>
-                  <a:noFill/>
-                </a:ln>
-                <a:solidFill>
-                  <a:srgbClr val="808080"/>
-                </a:solidFill>
-                <a:effectLst/>
-                <a:uLnTx/>
-                <a:uFillTx/>
-                <a:latin typeface="Courier New" panose="02070309020205020404" pitchFamily="49" charset="0"/>
-                <a:ea typeface="+mn-ea"/>
-                <a:cs typeface="+mn-cs"/>
-              </a:rPr>
-              <a:t>'</a:t>
+              <a:t> </a:t>
             </a:r>
             <a:r>
               <a:rPr kumimoji="0" lang="ru-RU" sz="1400" b="1" i="0" u="none" strike="noStrike" kern="1200" cap="none" spc="0" normalizeH="0" baseline="0" noProof="0" dirty="0">
-                <a:ln>
-                  <a:noFill/>
-                </a:ln>
-                <a:solidFill>
-                  <a:srgbClr val="000080"/>
-                </a:solidFill>
-                <a:effectLst/>
-                <a:uLnTx/>
-                <a:uFillTx/>
-                <a:latin typeface="Courier New" panose="02070309020205020404" pitchFamily="49" charset="0"/>
-                <a:ea typeface="+mn-ea"/>
-                <a:cs typeface="+mn-cs"/>
-              </a:rPr>
-              <a:t>)</a:t>
-            </a:r>
-            <a:r>
-              <a:rPr kumimoji="0" lang="ru-RU" sz="1400" b="0" i="0" u="none" strike="noStrike" kern="1200" cap="none" spc="0" normalizeH="0" baseline="0" noProof="0" dirty="0">
-                <a:ln>
-                  <a:noFill/>
-                </a:ln>
-                <a:solidFill>
-                  <a:srgbClr val="000000"/>
-                </a:solidFill>
-                <a:effectLst/>
-                <a:uLnTx/>
-                <a:uFillTx/>
-                <a:latin typeface="Courier New" panose="02070309020205020404" pitchFamily="49" charset="0"/>
-                <a:ea typeface="+mn-ea"/>
-                <a:cs typeface="+mn-cs"/>
-              </a:rPr>
-              <a:t> </a:t>
-            </a:r>
-            <a:r>
-              <a:rPr kumimoji="0" lang="ru-RU" sz="1400" b="1" i="0" u="none" strike="noStrike" kern="1200" cap="none" spc="0" normalizeH="0" baseline="0" noProof="0" dirty="0" err="1">
                 <a:ln>
                   <a:noFill/>
                 </a:ln>
@@ -26134,7 +25428,7 @@
               <a:t>           </a:t>
             </a:r>
             <a:r>
-              <a:rPr kumimoji="0" lang="ru-RU" sz="1400" b="0" i="0" u="none" strike="noStrike" kern="1200" cap="none" spc="0" normalizeH="0" baseline="0" noProof="0" dirty="0" err="1">
+              <a:rPr kumimoji="0" lang="ru-RU" sz="1400" b="0" i="0" u="none" strike="noStrike" kern="1200" cap="none" spc="0" normalizeH="0" baseline="0" noProof="0" dirty="0">
                 <a:ln>
                   <a:noFill/>
                 </a:ln>
@@ -26182,15 +25476,15 @@
                 <a:ea typeface="+mn-ea"/>
                 <a:cs typeface="+mn-cs"/>
               </a:rPr>
-              <a:t>'/</a:t>
-            </a:r>
-            <a:r>
-              <a:rPr kumimoji="0" lang="ru-RU" sz="1400" b="0" i="0" u="none" strike="noStrike" kern="1200" cap="none" spc="0" normalizeH="0" baseline="0" noProof="0" dirty="0" err="1">
+              <a:t>'/path/to/some/file/being/written'</a:t>
+            </a:r>
+            <a:r>
+              <a:rPr kumimoji="0" lang="ru-RU" sz="1400" b="1" i="0" u="none" strike="noStrike" kern="1200" cap="none" spc="0" normalizeH="0" baseline="0" noProof="0" dirty="0">
                 <a:ln>
                   <a:noFill/>
                 </a:ln>
                 <a:solidFill>
-                  <a:srgbClr val="808080"/>
+                  <a:srgbClr val="000080"/>
                 </a:solidFill>
                 <a:effectLst/>
                 <a:uLnTx/>
@@ -26199,7 +25493,7 @@
                 <a:ea typeface="+mn-ea"/>
                 <a:cs typeface="+mn-cs"/>
               </a:rPr>
-              <a:t>path</a:t>
+              <a:t>,</a:t>
             </a:r>
             <a:r>
               <a:rPr kumimoji="0" lang="ru-RU" sz="1400" b="0" i="0" u="none" strike="noStrike" kern="1200" cap="none" spc="0" normalizeH="0" baseline="0" noProof="0" dirty="0">
@@ -26207,7 +25501,7 @@
                   <a:noFill/>
                 </a:ln>
                 <a:solidFill>
-                  <a:srgbClr val="808080"/>
+                  <a:srgbClr val="000000"/>
                 </a:solidFill>
                 <a:effectLst/>
                 <a:uLnTx/>
@@ -26216,24 +25510,7 @@
                 <a:ea typeface="+mn-ea"/>
                 <a:cs typeface="+mn-cs"/>
               </a:rPr>
-              <a:t>/</a:t>
-            </a:r>
-            <a:r>
-              <a:rPr kumimoji="0" lang="ru-RU" sz="1400" b="0" i="0" u="none" strike="noStrike" kern="1200" cap="none" spc="0" normalizeH="0" baseline="0" noProof="0" dirty="0" err="1">
-                <a:ln>
-                  <a:noFill/>
-                </a:ln>
-                <a:solidFill>
-                  <a:srgbClr val="808080"/>
-                </a:solidFill>
-                <a:effectLst/>
-                <a:uLnTx/>
-                <a:uFillTx/>
-                <a:latin typeface="Courier New" panose="02070309020205020404" pitchFamily="49" charset="0"/>
-                <a:ea typeface="+mn-ea"/>
-                <a:cs typeface="+mn-cs"/>
-              </a:rPr>
-              <a:t>to</a:t>
+              <a:t> </a:t>
             </a:r>
             <a:r>
               <a:rPr kumimoji="0" lang="ru-RU" sz="1400" b="0" i="0" u="none" strike="noStrike" kern="1200" cap="none" spc="0" normalizeH="0" baseline="0" noProof="0" dirty="0">
@@ -26250,15 +25527,15 @@
                 <a:ea typeface="+mn-ea"/>
                 <a:cs typeface="+mn-cs"/>
               </a:rPr>
-              <a:t>/</a:t>
-            </a:r>
-            <a:r>
-              <a:rPr kumimoji="0" lang="ru-RU" sz="1400" b="0" i="0" u="none" strike="noStrike" kern="1200" cap="none" spc="0" normalizeH="0" baseline="0" noProof="0" dirty="0" err="1">
+              <a:t>'w'</a:t>
+            </a:r>
+            <a:r>
+              <a:rPr kumimoji="0" lang="ru-RU" sz="1400" b="1" i="0" u="none" strike="noStrike" kern="1200" cap="none" spc="0" normalizeH="0" baseline="0" noProof="0" dirty="0">
                 <a:ln>
                   <a:noFill/>
                 </a:ln>
                 <a:solidFill>
-                  <a:srgbClr val="808080"/>
+                  <a:srgbClr val="000080"/>
                 </a:solidFill>
                 <a:effectLst/>
                 <a:uLnTx/>
@@ -26267,7 +25544,7 @@
                 <a:ea typeface="+mn-ea"/>
                 <a:cs typeface="+mn-cs"/>
               </a:rPr>
-              <a:t>some</a:t>
+              <a:t>)</a:t>
             </a:r>
             <a:r>
               <a:rPr kumimoji="0" lang="ru-RU" sz="1400" b="0" i="0" u="none" strike="noStrike" kern="1200" cap="none" spc="0" normalizeH="0" baseline="0" noProof="0" dirty="0">
@@ -26275,7 +25552,7 @@
                   <a:noFill/>
                 </a:ln>
                 <a:solidFill>
-                  <a:srgbClr val="808080"/>
+                  <a:srgbClr val="000000"/>
                 </a:solidFill>
                 <a:effectLst/>
                 <a:uLnTx/>
@@ -26284,197 +25561,10 @@
                 <a:ea typeface="+mn-ea"/>
                 <a:cs typeface="+mn-cs"/>
               </a:rPr>
-              <a:t>/</a:t>
-            </a:r>
-            <a:r>
-              <a:rPr kumimoji="0" lang="ru-RU" sz="1400" b="0" i="0" u="none" strike="noStrike" kern="1200" cap="none" spc="0" normalizeH="0" baseline="0" noProof="0" dirty="0" err="1">
-                <a:ln>
-                  <a:noFill/>
-                </a:ln>
-                <a:solidFill>
-                  <a:srgbClr val="808080"/>
-                </a:solidFill>
-                <a:effectLst/>
-                <a:uLnTx/>
-                <a:uFillTx/>
-                <a:latin typeface="Courier New" panose="02070309020205020404" pitchFamily="49" charset="0"/>
-                <a:ea typeface="+mn-ea"/>
-                <a:cs typeface="+mn-cs"/>
-              </a:rPr>
-              <a:t>file</a:t>
-            </a:r>
-            <a:r>
-              <a:rPr kumimoji="0" lang="ru-RU" sz="1400" b="0" i="0" u="none" strike="noStrike" kern="1200" cap="none" spc="0" normalizeH="0" baseline="0" noProof="0" dirty="0">
-                <a:ln>
-                  <a:noFill/>
-                </a:ln>
-                <a:solidFill>
-                  <a:srgbClr val="808080"/>
-                </a:solidFill>
-                <a:effectLst/>
-                <a:uLnTx/>
-                <a:uFillTx/>
-                <a:latin typeface="Courier New" panose="02070309020205020404" pitchFamily="49" charset="0"/>
-                <a:ea typeface="+mn-ea"/>
-                <a:cs typeface="+mn-cs"/>
-              </a:rPr>
-              <a:t>/</a:t>
-            </a:r>
-            <a:r>
-              <a:rPr kumimoji="0" lang="ru-RU" sz="1400" b="0" i="0" u="none" strike="noStrike" kern="1200" cap="none" spc="0" normalizeH="0" baseline="0" noProof="0" dirty="0" err="1">
-                <a:ln>
-                  <a:noFill/>
-                </a:ln>
-                <a:solidFill>
-                  <a:srgbClr val="808080"/>
-                </a:solidFill>
-                <a:effectLst/>
-                <a:uLnTx/>
-                <a:uFillTx/>
-                <a:latin typeface="Courier New" panose="02070309020205020404" pitchFamily="49" charset="0"/>
-                <a:ea typeface="+mn-ea"/>
-                <a:cs typeface="+mn-cs"/>
-              </a:rPr>
-              <a:t>being</a:t>
-            </a:r>
-            <a:r>
-              <a:rPr kumimoji="0" lang="ru-RU" sz="1400" b="0" i="0" u="none" strike="noStrike" kern="1200" cap="none" spc="0" normalizeH="0" baseline="0" noProof="0" dirty="0">
-                <a:ln>
-                  <a:noFill/>
-                </a:ln>
-                <a:solidFill>
-                  <a:srgbClr val="808080"/>
-                </a:solidFill>
-                <a:effectLst/>
-                <a:uLnTx/>
-                <a:uFillTx/>
-                <a:latin typeface="Courier New" panose="02070309020205020404" pitchFamily="49" charset="0"/>
-                <a:ea typeface="+mn-ea"/>
-                <a:cs typeface="+mn-cs"/>
-              </a:rPr>
-              <a:t>/</a:t>
-            </a:r>
-            <a:r>
-              <a:rPr kumimoji="0" lang="ru-RU" sz="1400" b="0" i="0" u="none" strike="noStrike" kern="1200" cap="none" spc="0" normalizeH="0" baseline="0" noProof="0" dirty="0" err="1">
-                <a:ln>
-                  <a:noFill/>
-                </a:ln>
-                <a:solidFill>
-                  <a:srgbClr val="808080"/>
-                </a:solidFill>
-                <a:effectLst/>
-                <a:uLnTx/>
-                <a:uFillTx/>
-                <a:latin typeface="Courier New" panose="02070309020205020404" pitchFamily="49" charset="0"/>
-                <a:ea typeface="+mn-ea"/>
-                <a:cs typeface="+mn-cs"/>
-              </a:rPr>
-              <a:t>written</a:t>
-            </a:r>
-            <a:r>
-              <a:rPr kumimoji="0" lang="ru-RU" sz="1400" b="0" i="0" u="none" strike="noStrike" kern="1200" cap="none" spc="0" normalizeH="0" baseline="0" noProof="0" dirty="0">
-                <a:ln>
-                  <a:noFill/>
-                </a:ln>
-                <a:solidFill>
-                  <a:srgbClr val="808080"/>
-                </a:solidFill>
-                <a:effectLst/>
-                <a:uLnTx/>
-                <a:uFillTx/>
-                <a:latin typeface="Courier New" panose="02070309020205020404" pitchFamily="49" charset="0"/>
-                <a:ea typeface="+mn-ea"/>
-                <a:cs typeface="+mn-cs"/>
-              </a:rPr>
-              <a:t>'</a:t>
+              <a:t> </a:t>
             </a:r>
             <a:r>
               <a:rPr kumimoji="0" lang="ru-RU" sz="1400" b="1" i="0" u="none" strike="noStrike" kern="1200" cap="none" spc="0" normalizeH="0" baseline="0" noProof="0" dirty="0">
-                <a:ln>
-                  <a:noFill/>
-                </a:ln>
-                <a:solidFill>
-                  <a:srgbClr val="000080"/>
-                </a:solidFill>
-                <a:effectLst/>
-                <a:uLnTx/>
-                <a:uFillTx/>
-                <a:latin typeface="Courier New" panose="02070309020205020404" pitchFamily="49" charset="0"/>
-                <a:ea typeface="+mn-ea"/>
-                <a:cs typeface="+mn-cs"/>
-              </a:rPr>
-              <a:t>,</a:t>
-            </a:r>
-            <a:r>
-              <a:rPr kumimoji="0" lang="ru-RU" sz="1400" b="0" i="0" u="none" strike="noStrike" kern="1200" cap="none" spc="0" normalizeH="0" baseline="0" noProof="0" dirty="0">
-                <a:ln>
-                  <a:noFill/>
-                </a:ln>
-                <a:solidFill>
-                  <a:srgbClr val="000000"/>
-                </a:solidFill>
-                <a:effectLst/>
-                <a:uLnTx/>
-                <a:uFillTx/>
-                <a:latin typeface="Courier New" panose="02070309020205020404" pitchFamily="49" charset="0"/>
-                <a:ea typeface="+mn-ea"/>
-                <a:cs typeface="+mn-cs"/>
-              </a:rPr>
-              <a:t> </a:t>
-            </a:r>
-            <a:r>
-              <a:rPr kumimoji="0" lang="ru-RU" sz="1400" b="0" i="0" u="none" strike="noStrike" kern="1200" cap="none" spc="0" normalizeH="0" baseline="0" noProof="0" dirty="0">
-                <a:ln>
-                  <a:noFill/>
-                </a:ln>
-                <a:solidFill>
-                  <a:srgbClr val="808080"/>
-                </a:solidFill>
-                <a:effectLst/>
-                <a:uLnTx/>
-                <a:uFillTx/>
-                <a:latin typeface="Courier New" panose="02070309020205020404" pitchFamily="49" charset="0"/>
-                <a:ea typeface="+mn-ea"/>
-                <a:cs typeface="+mn-cs"/>
-              </a:rPr>
-              <a:t>'w'</a:t>
-            </a:r>
-            <a:r>
-              <a:rPr kumimoji="0" lang="ru-RU" sz="1400" b="1" i="0" u="none" strike="noStrike" kern="1200" cap="none" spc="0" normalizeH="0" baseline="0" noProof="0" dirty="0">
-                <a:ln>
-                  <a:noFill/>
-                </a:ln>
-                <a:solidFill>
-                  <a:srgbClr val="000080"/>
-                </a:solidFill>
-                <a:effectLst/>
-                <a:uLnTx/>
-                <a:uFillTx/>
-                <a:latin typeface="Courier New" panose="02070309020205020404" pitchFamily="49" charset="0"/>
-                <a:ea typeface="+mn-ea"/>
-                <a:cs typeface="+mn-cs"/>
-              </a:rPr>
-              <a:t>)</a:t>
-            </a:r>
-            <a:r>
-              <a:rPr kumimoji="0" lang="ru-RU" sz="1400" b="0" i="0" u="none" strike="noStrike" kern="1200" cap="none" spc="0" normalizeH="0" baseline="0" noProof="0" dirty="0">
-                <a:ln>
-                  <a:noFill/>
-                </a:ln>
-                <a:solidFill>
-                  <a:srgbClr val="000000"/>
-                </a:solidFill>
-                <a:effectLst/>
-                <a:uLnTx/>
-                <a:uFillTx/>
-                <a:latin typeface="Courier New" panose="02070309020205020404" pitchFamily="49" charset="0"/>
-                <a:ea typeface="+mn-ea"/>
-                <a:cs typeface="+mn-cs"/>
-              </a:rPr>
-              <a:t> </a:t>
-            </a:r>
-            <a:r>
-              <a:rPr kumimoji="0" lang="ru-RU" sz="1400" b="1" i="0" u="none" strike="noStrike" kern="1200" cap="none" spc="0" normalizeH="0" baseline="0" noProof="0" dirty="0" err="1">
                 <a:ln>
                   <a:noFill/>
                 </a:ln>
@@ -28304,41 +27394,7 @@
                 <a:ea typeface="+mn-ea"/>
                 <a:cs typeface="+mn-cs"/>
               </a:rPr>
-              <a:t> </a:t>
-            </a:r>
-            <a:r>
-              <a:rPr kumimoji="0" lang="en-US" sz="1400" b="0" i="0" u="none" strike="noStrike" kern="1200" cap="none" spc="0" normalizeH="0" baseline="0" noProof="0" dirty="0" err="1">
-                <a:ln>
-                  <a:noFill/>
-                </a:ln>
-                <a:solidFill>
-                  <a:srgbClr val="000000"/>
-                </a:solidFill>
-                <a:effectLst/>
-                <a:uLnTx/>
-                <a:uFillTx/>
-                <a:latin typeface="Courier New" panose="02070309020205020404" pitchFamily="49" charset="0"/>
-                <a:ea typeface="+mn-ea"/>
-                <a:cs typeface="+mn-cs"/>
-              </a:rPr>
-              <a:t>os</a:t>
-            </a:r>
-            <a:r>
-              <a:rPr kumimoji="0" lang="en-US" sz="1400" b="0" i="0" u="none" strike="noStrike" kern="1200" cap="none" spc="0" normalizeH="0" baseline="0" noProof="0" dirty="0">
-                <a:ln>
-                  <a:noFill/>
-                </a:ln>
-                <a:solidFill>
-                  <a:srgbClr val="000000"/>
-                </a:solidFill>
-                <a:effectLst/>
-                <a:uLnTx/>
-                <a:uFillTx/>
-                <a:latin typeface="Courier New" panose="02070309020205020404" pitchFamily="49" charset="0"/>
-                <a:ea typeface="+mn-ea"/>
-                <a:cs typeface="+mn-cs"/>
-              </a:rPr>
-              <a:t> </a:t>
+              <a:t> os </a:t>
             </a:r>
           </a:p>
           <a:p>
@@ -28444,15 +27500,15 @@
                 <a:ea typeface="+mn-ea"/>
                 <a:cs typeface="+mn-cs"/>
               </a:rPr>
-              <a:t> </a:t>
-            </a:r>
-            <a:r>
-              <a:rPr kumimoji="0" lang="en-US" sz="1400" b="0" i="0" u="none" strike="noStrike" kern="1200" cap="none" spc="0" normalizeH="0" baseline="0" noProof="0" dirty="0" err="1">
+              <a:t> mypkg</a:t>
+            </a:r>
+            <a:r>
+              <a:rPr kumimoji="0" lang="en-US" sz="1400" b="1" i="0" u="none" strike="noStrike" kern="1200" cap="none" spc="0" normalizeH="0" baseline="0" noProof="0" dirty="0">
                 <a:ln>
                   <a:noFill/>
                 </a:ln>
                 <a:solidFill>
-                  <a:srgbClr val="000000"/>
+                  <a:srgbClr val="000080"/>
                 </a:solidFill>
                 <a:effectLst/>
                 <a:uLnTx/>
@@ -28461,41 +27517,7 @@
                 <a:ea typeface="+mn-ea"/>
                 <a:cs typeface="+mn-cs"/>
               </a:rPr>
-              <a:t>mypkg</a:t>
-            </a:r>
-            <a:r>
-              <a:rPr kumimoji="0" lang="en-US" sz="1400" b="1" i="0" u="none" strike="noStrike" kern="1200" cap="none" spc="0" normalizeH="0" baseline="0" noProof="0" dirty="0" err="1">
-                <a:ln>
-                  <a:noFill/>
-                </a:ln>
-                <a:solidFill>
-                  <a:srgbClr val="000080"/>
-                </a:solidFill>
-                <a:effectLst/>
-                <a:uLnTx/>
-                <a:uFillTx/>
-                <a:latin typeface="Courier New" panose="02070309020205020404" pitchFamily="49" charset="0"/>
-                <a:ea typeface="+mn-ea"/>
-                <a:cs typeface="+mn-cs"/>
-              </a:rPr>
               <a:t>.</a:t>
-            </a:r>
-            <a:r>
-              <a:rPr kumimoji="0" lang="en-US" sz="1400" b="0" i="0" u="none" strike="noStrike" kern="1200" cap="none" spc="0" normalizeH="0" baseline="0" noProof="0" dirty="0" err="1">
-                <a:ln>
-                  <a:noFill/>
-                </a:ln>
-                <a:solidFill>
-                  <a:srgbClr val="000000"/>
-                </a:solidFill>
-                <a:effectLst/>
-                <a:uLnTx/>
-                <a:uFillTx/>
-                <a:latin typeface="Courier New" panose="02070309020205020404" pitchFamily="49" charset="0"/>
-                <a:ea typeface="+mn-ea"/>
-                <a:cs typeface="+mn-cs"/>
-              </a:rPr>
-              <a:t>sibling</a:t>
             </a:r>
             <a:r>
               <a:rPr kumimoji="0" lang="en-US" sz="1400" b="0" i="0" u="none" strike="noStrike" kern="1200" cap="none" spc="0" normalizeH="0" baseline="0" noProof="0" dirty="0">
@@ -28512,7 +27534,7 @@
                 <a:ea typeface="+mn-ea"/>
                 <a:cs typeface="+mn-cs"/>
               </a:rPr>
-              <a:t>  </a:t>
+              <a:t>sibling  </a:t>
             </a:r>
             <a:r>
               <a:rPr kumimoji="0" lang="en-US" sz="1400" b="0" i="0" u="none" strike="noStrike" kern="1200" cap="none" spc="0" normalizeH="0" baseline="0" noProof="0" dirty="0">
@@ -28764,41 +27786,7 @@
                 <a:ea typeface="+mn-ea"/>
                 <a:cs typeface="+mn-cs"/>
               </a:rPr>
-              <a:t> </a:t>
-            </a:r>
-            <a:r>
-              <a:rPr kumimoji="0" lang="en-US" sz="1400" b="0" i="0" u="none" strike="noStrike" kern="1200" cap="none" spc="0" normalizeH="0" baseline="0" noProof="0" dirty="0" err="1">
-                <a:ln>
-                  <a:noFill/>
-                </a:ln>
-                <a:solidFill>
-                  <a:srgbClr val="000000"/>
-                </a:solidFill>
-                <a:effectLst/>
-                <a:uLnTx/>
-                <a:uFillTx/>
-                <a:latin typeface="Courier New" panose="02070309020205020404" pitchFamily="49" charset="0"/>
-                <a:ea typeface="+mn-ea"/>
-                <a:cs typeface="+mn-cs"/>
-              </a:rPr>
-              <a:t>os</a:t>
-            </a:r>
-            <a:r>
-              <a:rPr kumimoji="0" lang="en-US" sz="1400" b="0" i="0" u="none" strike="noStrike" kern="1200" cap="none" spc="0" normalizeH="0" baseline="0" noProof="0" dirty="0">
-                <a:ln>
-                  <a:noFill/>
-                </a:ln>
-                <a:solidFill>
-                  <a:srgbClr val="000000"/>
-                </a:solidFill>
-                <a:effectLst/>
-                <a:uLnTx/>
-                <a:uFillTx/>
-                <a:latin typeface="Courier New" panose="02070309020205020404" pitchFamily="49" charset="0"/>
-                <a:ea typeface="+mn-ea"/>
-                <a:cs typeface="+mn-cs"/>
-              </a:rPr>
-              <a:t> </a:t>
+              <a:t> os </a:t>
             </a:r>
           </a:p>
           <a:p>
@@ -29171,24 +28159,7 @@
                 <a:ea typeface="+mn-ea"/>
                 <a:cs typeface="+mn-cs"/>
               </a:rPr>
-              <a:t> </a:t>
-            </a:r>
-            <a:r>
-              <a:rPr kumimoji="0" lang="en-US" sz="1400" b="0" i="0" u="none" strike="noStrike" kern="1200" cap="none" spc="0" normalizeH="0" baseline="0" noProof="0" dirty="0" err="1">
-                <a:ln>
-                  <a:noFill/>
-                </a:ln>
-                <a:solidFill>
-                  <a:srgbClr val="000000"/>
-                </a:solidFill>
-                <a:effectLst/>
-                <a:uLnTx/>
-                <a:uFillTx/>
-                <a:latin typeface="Courier New" panose="02070309020205020404" pitchFamily="49" charset="0"/>
-                <a:ea typeface="+mn-ea"/>
-                <a:cs typeface="+mn-cs"/>
-              </a:rPr>
-              <a:t>Popen</a:t>
+              <a:t> Popen</a:t>
             </a:r>
             <a:r>
               <a:rPr kumimoji="0" lang="en-US" sz="1400" b="1" i="0" u="none" strike="noStrike" kern="1200" cap="none" spc="0" normalizeH="0" baseline="0" noProof="0" dirty="0">
@@ -30031,10 +29002,10 @@
                 <a:ea typeface="+mn-ea"/>
                 <a:cs typeface="+mn-cs"/>
               </a:rPr>
-              <a:t>_</a:t>
-            </a:r>
-            <a:r>
-              <a:rPr kumimoji="0" lang="ru-RU" altLang="ru-RU" sz="2000" b="1" i="0" u="none" strike="noStrike" kern="1200" cap="none" spc="0" normalizeH="0" baseline="0" noProof="0" dirty="0" err="1">
+              <a:t>_FooBar__boo</a:t>
+            </a:r>
+            <a:r>
+              <a:rPr kumimoji="0" lang="ru-RU" altLang="ru-RU" sz="2000" b="0" i="0" u="none" strike="noStrike" kern="1200" cap="none" spc="0" normalizeH="0" baseline="0" noProof="0" dirty="0">
                 <a:ln>
                   <a:noFill/>
                 </a:ln>
@@ -30048,10 +29019,10 @@
                 <a:ea typeface="+mn-ea"/>
                 <a:cs typeface="+mn-cs"/>
               </a:rPr>
-              <a:t>FooBar__boo</a:t>
-            </a:r>
-            <a:r>
-              <a:rPr kumimoji="0" lang="ru-RU" altLang="ru-RU" sz="2000" b="0" i="0" u="none" strike="noStrike" kern="1200" cap="none" spc="0" normalizeH="0" baseline="0" noProof="0" dirty="0">
+              <a:t> (атрибуты класса можно посмотреть, используя </a:t>
+            </a:r>
+            <a:r>
+              <a:rPr kumimoji="0" lang="ru-RU" altLang="ru-RU" sz="2000" b="1" i="0" u="none" strike="noStrike" kern="1200" cap="none" spc="0" normalizeH="0" baseline="0" noProof="0" dirty="0">
                 <a:ln>
                   <a:noFill/>
                 </a:ln>
@@ -30065,41 +29036,7 @@
                 <a:ea typeface="+mn-ea"/>
                 <a:cs typeface="+mn-cs"/>
               </a:rPr>
-              <a:t> (атрибуты класса можно посмотреть, используя </a:t>
-            </a:r>
-            <a:r>
-              <a:rPr kumimoji="0" lang="ru-RU" altLang="ru-RU" sz="2000" b="1" i="0" u="none" strike="noStrike" kern="1200" cap="none" spc="0" normalizeH="0" baseline="0" noProof="0" dirty="0" err="1">
-                <a:ln>
-                  <a:noFill/>
-                </a:ln>
-                <a:solidFill>
-                  <a:srgbClr val="002060"/>
-                </a:solidFill>
-                <a:effectLst/>
-                <a:uLnTx/>
-                <a:uFillTx/>
-                <a:latin typeface="Calibri" panose="020F0502020204030204"/>
-                <a:ea typeface="+mn-ea"/>
-                <a:cs typeface="+mn-cs"/>
-              </a:rPr>
-              <a:t>MyClass.__dict</a:t>
-            </a:r>
-            <a:r>
-              <a:rPr kumimoji="0" lang="ru-RU" altLang="ru-RU" sz="2000" b="1" i="0" u="none" strike="noStrike" kern="1200" cap="none" spc="0" normalizeH="0" baseline="0" noProof="0" dirty="0">
-                <a:ln>
-                  <a:noFill/>
-                </a:ln>
-                <a:solidFill>
-                  <a:srgbClr val="002060"/>
-                </a:solidFill>
-                <a:effectLst/>
-                <a:uLnTx/>
-                <a:uFillTx/>
-                <a:latin typeface="Calibri" panose="020F0502020204030204"/>
-                <a:ea typeface="+mn-ea"/>
-                <a:cs typeface="+mn-cs"/>
-              </a:rPr>
-              <a:t>_</a:t>
+              <a:t>MyClass.__dict_</a:t>
             </a:r>
             <a:r>
               <a:rPr kumimoji="0" lang="ru-RU" altLang="ru-RU" sz="2000" b="0" i="0" u="none" strike="noStrike" kern="1200" cap="none" spc="0" normalizeH="0" baseline="0" noProof="0" dirty="0">
@@ -30169,41 +29106,7 @@
                 <a:ea typeface="+mn-ea"/>
                 <a:cs typeface="+mn-cs"/>
               </a:rPr>
-              <a:t>__</a:t>
-            </a:r>
-            <a:r>
-              <a:rPr kumimoji="0" lang="ru-RU" altLang="ru-RU" sz="2000" b="1" i="0" u="none" strike="noStrike" kern="1200" cap="none" spc="0" normalizeH="0" baseline="0" noProof="0" dirty="0" err="1">
-                <a:ln>
-                  <a:noFill/>
-                </a:ln>
-                <a:solidFill>
-                  <a:srgbClr val="002060"/>
-                </a:solidFill>
-                <a:effectLst/>
-                <a:uLnTx/>
-                <a:uFillTx/>
-                <a:latin typeface="Calibri" panose="020F0502020204030204"/>
-                <a:ea typeface="+mn-ea"/>
-                <a:cs typeface="+mn-cs"/>
-              </a:rPr>
-              <a:t>double_leading_and_trailing_underscore</a:t>
-            </a:r>
-            <a:r>
-              <a:rPr kumimoji="0" lang="ru-RU" altLang="ru-RU" sz="2000" b="1" i="0" u="none" strike="noStrike" kern="1200" cap="none" spc="0" normalizeH="0" baseline="0" noProof="0" dirty="0">
-                <a:ln>
-                  <a:noFill/>
-                </a:ln>
-                <a:solidFill>
-                  <a:srgbClr val="002060"/>
-                </a:solidFill>
-                <a:effectLst/>
-                <a:uLnTx/>
-                <a:uFillTx/>
-                <a:latin typeface="Calibri" panose="020F0502020204030204"/>
-                <a:ea typeface="+mn-ea"/>
-                <a:cs typeface="+mn-cs"/>
-              </a:rPr>
-              <a:t>__</a:t>
+              <a:t>__double_leading_and_trailing_underscore__</a:t>
             </a:r>
             <a:r>
               <a:rPr kumimoji="0" lang="ru-RU" altLang="ru-RU" sz="2000" b="0" i="0" u="none" strike="noStrike" kern="1200" cap="none" spc="0" normalizeH="0" baseline="0" noProof="0" dirty="0">
